--- a/GateMaster.pptx
+++ b/GateMaster.pptx
@@ -6782,7 +6782,7 @@
           <a:noFill/>
           <a:extLst>
             <a:ext uri="{909E8E84-426E-40dd-AFC4-6F175D3DCCD1}">
-              <a14:hiddenFill xmlns:a14="http://schemas.microsoft.com/office/drawing/2010/main" xmlns="">
+              <a14:hiddenFill xmlns="" xmlns:a14="http://schemas.microsoft.com/office/drawing/2010/main">
                 <a:solidFill>
                   <a:srgbClr val="FFFFFF"/>
                 </a:solidFill>
@@ -6842,7 +6842,7 @@
             </a:ln>
             <a:extLst>
               <a:ext uri="{91240B29-F687-4f45-9708-019B960494DF}">
-                <a14:hiddenLine xmlns:a14="http://schemas.microsoft.com/office/drawing/2010/main" xmlns="" w="9525">
+                <a14:hiddenLine xmlns="" xmlns:a14="http://schemas.microsoft.com/office/drawing/2010/main" w="9525">
                   <a:solidFill>
                     <a:srgbClr val="000000"/>
                   </a:solidFill>
@@ -6932,7 +6932,7 @@
             </a:ln>
             <a:extLst>
               <a:ext uri="{91240B29-F687-4f45-9708-019B960494DF}">
-                <a14:hiddenLine xmlns:a14="http://schemas.microsoft.com/office/drawing/2010/main" xmlns="" w="9525">
+                <a14:hiddenLine xmlns="" xmlns:a14="http://schemas.microsoft.com/office/drawing/2010/main" w="9525">
                   <a:solidFill>
                     <a:srgbClr val="000000"/>
                   </a:solidFill>
@@ -7022,7 +7022,7 @@
             </a:ln>
             <a:extLst>
               <a:ext uri="{91240B29-F687-4f45-9708-019B960494DF}">
-                <a14:hiddenLine xmlns:a14="http://schemas.microsoft.com/office/drawing/2010/main" xmlns="" w="9525">
+                <a14:hiddenLine xmlns="" xmlns:a14="http://schemas.microsoft.com/office/drawing/2010/main" w="9525">
                   <a:solidFill>
                     <a:srgbClr val="000000"/>
                   </a:solidFill>
@@ -7056,7 +7056,7 @@
             </a:ln>
             <a:extLst>
               <a:ext uri="{91240B29-F687-4f45-9708-019B960494DF}">
-                <a14:hiddenLine xmlns:a14="http://schemas.microsoft.com/office/drawing/2010/main" xmlns="" w="9525">
+                <a14:hiddenLine xmlns="" xmlns:a14="http://schemas.microsoft.com/office/drawing/2010/main" w="9525">
                   <a:solidFill>
                     <a:srgbClr val="000000"/>
                   </a:solidFill>
@@ -7146,7 +7146,7 @@
             </a:ln>
             <a:extLst>
               <a:ext uri="{91240B29-F687-4f45-9708-019B960494DF}">
-                <a14:hiddenLine xmlns:a14="http://schemas.microsoft.com/office/drawing/2010/main" xmlns="" w="9525">
+                <a14:hiddenLine xmlns="" xmlns:a14="http://schemas.microsoft.com/office/drawing/2010/main" w="9525">
                   <a:solidFill>
                     <a:srgbClr val="000000"/>
                   </a:solidFill>
@@ -7208,7 +7208,7 @@
             </a:ln>
             <a:extLst>
               <a:ext uri="{91240B29-F687-4f45-9708-019B960494DF}">
-                <a14:hiddenLine xmlns:a14="http://schemas.microsoft.com/office/drawing/2010/main" xmlns="" w="9525">
+                <a14:hiddenLine xmlns="" xmlns:a14="http://schemas.microsoft.com/office/drawing/2010/main" w="9525">
                   <a:solidFill>
                     <a:srgbClr val="000000"/>
                   </a:solidFill>
@@ -7270,7 +7270,7 @@
             </a:ln>
             <a:extLst>
               <a:ext uri="{91240B29-F687-4f45-9708-019B960494DF}">
-                <a14:hiddenLine xmlns:a14="http://schemas.microsoft.com/office/drawing/2010/main" xmlns="" w="9525">
+                <a14:hiddenLine xmlns="" xmlns:a14="http://schemas.microsoft.com/office/drawing/2010/main" w="9525">
                   <a:solidFill>
                     <a:srgbClr val="000000"/>
                   </a:solidFill>
@@ -7360,7 +7360,7 @@
             </a:ln>
             <a:extLst>
               <a:ext uri="{91240B29-F687-4f45-9708-019B960494DF}">
-                <a14:hiddenLine xmlns:a14="http://schemas.microsoft.com/office/drawing/2010/main" xmlns="" w="9525">
+                <a14:hiddenLine xmlns="" xmlns:a14="http://schemas.microsoft.com/office/drawing/2010/main" w="9525">
                   <a:solidFill>
                     <a:srgbClr val="000000"/>
                   </a:solidFill>
@@ -7422,7 +7422,7 @@
             </a:ln>
             <a:extLst>
               <a:ext uri="{91240B29-F687-4f45-9708-019B960494DF}">
-                <a14:hiddenLine xmlns:a14="http://schemas.microsoft.com/office/drawing/2010/main" xmlns="" w="9525">
+                <a14:hiddenLine xmlns="" xmlns:a14="http://schemas.microsoft.com/office/drawing/2010/main" w="9525">
                   <a:solidFill>
                     <a:srgbClr val="000000"/>
                   </a:solidFill>
@@ -7484,7 +7484,7 @@
             </a:ln>
             <a:extLst>
               <a:ext uri="{91240B29-F687-4f45-9708-019B960494DF}">
-                <a14:hiddenLine xmlns:a14="http://schemas.microsoft.com/office/drawing/2010/main" xmlns="" w="9525">
+                <a14:hiddenLine xmlns="" xmlns:a14="http://schemas.microsoft.com/office/drawing/2010/main" w="9525">
                   <a:solidFill>
                     <a:srgbClr val="000000"/>
                   </a:solidFill>
@@ -7574,7 +7574,7 @@
             </a:ln>
             <a:extLst>
               <a:ext uri="{91240B29-F687-4f45-9708-019B960494DF}">
-                <a14:hiddenLine xmlns:a14="http://schemas.microsoft.com/office/drawing/2010/main" xmlns="" w="9525">
+                <a14:hiddenLine xmlns="" xmlns:a14="http://schemas.microsoft.com/office/drawing/2010/main" w="9525">
                   <a:solidFill>
                     <a:srgbClr val="000000"/>
                   </a:solidFill>
@@ -7664,7 +7664,7 @@
             </a:ln>
             <a:extLst>
               <a:ext uri="{91240B29-F687-4f45-9708-019B960494DF}">
-                <a14:hiddenLine xmlns:a14="http://schemas.microsoft.com/office/drawing/2010/main" xmlns="" w="9525">
+                <a14:hiddenLine xmlns="" xmlns:a14="http://schemas.microsoft.com/office/drawing/2010/main" w="9525">
                   <a:solidFill>
                     <a:srgbClr val="000000"/>
                   </a:solidFill>
@@ -7726,7 +7726,7 @@
             </a:ln>
             <a:extLst>
               <a:ext uri="{91240B29-F687-4f45-9708-019B960494DF}">
-                <a14:hiddenLine xmlns:a14="http://schemas.microsoft.com/office/drawing/2010/main" xmlns="" w="9525">
+                <a14:hiddenLine xmlns="" xmlns:a14="http://schemas.microsoft.com/office/drawing/2010/main" w="9525">
                   <a:solidFill>
                     <a:srgbClr val="000000"/>
                   </a:solidFill>
@@ -7836,7 +7836,7 @@
             </a:ln>
             <a:extLst>
               <a:ext uri="{91240B29-F687-4f45-9708-019B960494DF}">
-                <a14:hiddenLine xmlns:a14="http://schemas.microsoft.com/office/drawing/2010/main" xmlns="" w="9525">
+                <a14:hiddenLine xmlns="" xmlns:a14="http://schemas.microsoft.com/office/drawing/2010/main" w="9525">
                   <a:solidFill>
                     <a:srgbClr val="000000"/>
                   </a:solidFill>
@@ -7898,7 +7898,7 @@
             </a:ln>
             <a:extLst>
               <a:ext uri="{91240B29-F687-4f45-9708-019B960494DF}">
-                <a14:hiddenLine xmlns:a14="http://schemas.microsoft.com/office/drawing/2010/main" xmlns="" w="9525">
+                <a14:hiddenLine xmlns="" xmlns:a14="http://schemas.microsoft.com/office/drawing/2010/main" w="9525">
                   <a:solidFill>
                     <a:srgbClr val="000000"/>
                   </a:solidFill>
@@ -7988,7 +7988,7 @@
             </a:ln>
             <a:extLst>
               <a:ext uri="{91240B29-F687-4f45-9708-019B960494DF}">
-                <a14:hiddenLine xmlns:a14="http://schemas.microsoft.com/office/drawing/2010/main" xmlns="" w="9525">
+                <a14:hiddenLine xmlns="" xmlns:a14="http://schemas.microsoft.com/office/drawing/2010/main" w="9525">
                   <a:solidFill>
                     <a:srgbClr val="000000"/>
                   </a:solidFill>
@@ -8078,7 +8078,7 @@
             </a:ln>
             <a:extLst>
               <a:ext uri="{91240B29-F687-4f45-9708-019B960494DF}">
-                <a14:hiddenLine xmlns:a14="http://schemas.microsoft.com/office/drawing/2010/main" xmlns="" w="9525">
+                <a14:hiddenLine xmlns="" xmlns:a14="http://schemas.microsoft.com/office/drawing/2010/main" w="9525">
                   <a:solidFill>
                     <a:srgbClr val="000000"/>
                   </a:solidFill>
@@ -8140,7 +8140,7 @@
             </a:ln>
             <a:extLst>
               <a:ext uri="{91240B29-F687-4f45-9708-019B960494DF}">
-                <a14:hiddenLine xmlns:a14="http://schemas.microsoft.com/office/drawing/2010/main" xmlns="" w="9525">
+                <a14:hiddenLine xmlns="" xmlns:a14="http://schemas.microsoft.com/office/drawing/2010/main" w="9525">
                   <a:solidFill>
                     <a:srgbClr val="000000"/>
                   </a:solidFill>
@@ -8230,7 +8230,7 @@
             </a:ln>
             <a:extLst>
               <a:ext uri="{91240B29-F687-4f45-9708-019B960494DF}">
-                <a14:hiddenLine xmlns:a14="http://schemas.microsoft.com/office/drawing/2010/main" xmlns="" w="9525">
+                <a14:hiddenLine xmlns="" xmlns:a14="http://schemas.microsoft.com/office/drawing/2010/main" w="9525">
                   <a:solidFill>
                     <a:srgbClr val="000000"/>
                   </a:solidFill>
@@ -8320,7 +8320,7 @@
             </a:ln>
             <a:extLst>
               <a:ext uri="{91240B29-F687-4f45-9708-019B960494DF}">
-                <a14:hiddenLine xmlns:a14="http://schemas.microsoft.com/office/drawing/2010/main" xmlns="" w="9525">
+                <a14:hiddenLine xmlns="" xmlns:a14="http://schemas.microsoft.com/office/drawing/2010/main" w="9525">
                   <a:solidFill>
                     <a:srgbClr val="000000"/>
                   </a:solidFill>
@@ -8376,7 +8376,7 @@
             </a:ln>
             <a:extLst>
               <a:ext uri="{91240B29-F687-4f45-9708-019B960494DF}">
-                <a14:hiddenLine xmlns:a14="http://schemas.microsoft.com/office/drawing/2010/main" xmlns="" w="9525">
+                <a14:hiddenLine xmlns="" xmlns:a14="http://schemas.microsoft.com/office/drawing/2010/main" w="9525">
                   <a:solidFill>
                     <a:srgbClr val="000000"/>
                   </a:solidFill>
@@ -8466,7 +8466,7 @@
             </a:ln>
             <a:extLst>
               <a:ext uri="{91240B29-F687-4f45-9708-019B960494DF}">
-                <a14:hiddenLine xmlns:a14="http://schemas.microsoft.com/office/drawing/2010/main" xmlns="" w="9525">
+                <a14:hiddenLine xmlns="" xmlns:a14="http://schemas.microsoft.com/office/drawing/2010/main" w="9525">
                   <a:solidFill>
                     <a:srgbClr val="000000"/>
                   </a:solidFill>
@@ -8522,7 +8522,7 @@
             </a:ln>
             <a:extLst>
               <a:ext uri="{91240B29-F687-4f45-9708-019B960494DF}">
-                <a14:hiddenLine xmlns:a14="http://schemas.microsoft.com/office/drawing/2010/main" xmlns="" w="9525">
+                <a14:hiddenLine xmlns="" xmlns:a14="http://schemas.microsoft.com/office/drawing/2010/main" w="9525">
                   <a:solidFill>
                     <a:srgbClr val="000000"/>
                   </a:solidFill>
@@ -8612,7 +8612,7 @@
             </a:ln>
             <a:extLst>
               <a:ext uri="{91240B29-F687-4f45-9708-019B960494DF}">
-                <a14:hiddenLine xmlns:a14="http://schemas.microsoft.com/office/drawing/2010/main" xmlns="" w="9525">
+                <a14:hiddenLine xmlns="" xmlns:a14="http://schemas.microsoft.com/office/drawing/2010/main" w="9525">
                   <a:solidFill>
                     <a:srgbClr val="000000"/>
                   </a:solidFill>
@@ -8680,7 +8680,7 @@
             </a:ln>
             <a:extLst>
               <a:ext uri="{91240B29-F687-4f45-9708-019B960494DF}">
-                <a14:hiddenLine xmlns:a14="http://schemas.microsoft.com/office/drawing/2010/main" xmlns="" w="9525">
+                <a14:hiddenLine xmlns="" xmlns:a14="http://schemas.microsoft.com/office/drawing/2010/main" w="9525">
                   <a:solidFill>
                     <a:srgbClr val="000000"/>
                   </a:solidFill>
@@ -8770,7 +8770,7 @@
             </a:ln>
             <a:extLst>
               <a:ext uri="{91240B29-F687-4f45-9708-019B960494DF}">
-                <a14:hiddenLine xmlns:a14="http://schemas.microsoft.com/office/drawing/2010/main" xmlns="" w="9525">
+                <a14:hiddenLine xmlns="" xmlns:a14="http://schemas.microsoft.com/office/drawing/2010/main" w="9525">
                   <a:solidFill>
                     <a:srgbClr val="000000"/>
                   </a:solidFill>
@@ -8838,7 +8838,7 @@
             </a:ln>
             <a:extLst>
               <a:ext uri="{91240B29-F687-4f45-9708-019B960494DF}">
-                <a14:hiddenLine xmlns:a14="http://schemas.microsoft.com/office/drawing/2010/main" xmlns="" w="9525">
+                <a14:hiddenLine xmlns="" xmlns:a14="http://schemas.microsoft.com/office/drawing/2010/main" w="9525">
                   <a:solidFill>
                     <a:srgbClr val="000000"/>
                   </a:solidFill>
@@ -8928,7 +8928,7 @@
             </a:ln>
             <a:extLst>
               <a:ext uri="{91240B29-F687-4f45-9708-019B960494DF}">
-                <a14:hiddenLine xmlns:a14="http://schemas.microsoft.com/office/drawing/2010/main" xmlns="" w="9525">
+                <a14:hiddenLine xmlns="" xmlns:a14="http://schemas.microsoft.com/office/drawing/2010/main" w="9525">
                   <a:solidFill>
                     <a:srgbClr val="000000"/>
                   </a:solidFill>
@@ -8962,7 +8962,7 @@
             </a:ln>
             <a:extLst>
               <a:ext uri="{91240B29-F687-4f45-9708-019B960494DF}">
-                <a14:hiddenLine xmlns:a14="http://schemas.microsoft.com/office/drawing/2010/main" xmlns="" w="9525">
+                <a14:hiddenLine xmlns="" xmlns:a14="http://schemas.microsoft.com/office/drawing/2010/main" w="9525">
                   <a:solidFill>
                     <a:srgbClr val="000000"/>
                   </a:solidFill>
@@ -9052,7 +9052,7 @@
             </a:ln>
             <a:extLst>
               <a:ext uri="{91240B29-F687-4f45-9708-019B960494DF}">
-                <a14:hiddenLine xmlns:a14="http://schemas.microsoft.com/office/drawing/2010/main" xmlns="" w="9525">
+                <a14:hiddenLine xmlns="" xmlns:a14="http://schemas.microsoft.com/office/drawing/2010/main" w="9525">
                   <a:solidFill>
                     <a:srgbClr val="000000"/>
                   </a:solidFill>
@@ -9114,7 +9114,7 @@
             </a:ln>
             <a:extLst>
               <a:ext uri="{91240B29-F687-4f45-9708-019B960494DF}">
-                <a14:hiddenLine xmlns:a14="http://schemas.microsoft.com/office/drawing/2010/main" xmlns="" w="9525">
+                <a14:hiddenLine xmlns="" xmlns:a14="http://schemas.microsoft.com/office/drawing/2010/main" w="9525">
                   <a:solidFill>
                     <a:srgbClr val="000000"/>
                   </a:solidFill>
@@ -9176,7 +9176,7 @@
             </a:ln>
             <a:extLst>
               <a:ext uri="{91240B29-F687-4f45-9708-019B960494DF}">
-                <a14:hiddenLine xmlns:a14="http://schemas.microsoft.com/office/drawing/2010/main" xmlns="" w="9525">
+                <a14:hiddenLine xmlns="" xmlns:a14="http://schemas.microsoft.com/office/drawing/2010/main" w="9525">
                   <a:solidFill>
                     <a:srgbClr val="000000"/>
                   </a:solidFill>
@@ -9266,7 +9266,7 @@
             </a:ln>
             <a:extLst>
               <a:ext uri="{91240B29-F687-4f45-9708-019B960494DF}">
-                <a14:hiddenLine xmlns:a14="http://schemas.microsoft.com/office/drawing/2010/main" xmlns="" w="9525">
+                <a14:hiddenLine xmlns="" xmlns:a14="http://schemas.microsoft.com/office/drawing/2010/main" w="9525">
                   <a:solidFill>
                     <a:srgbClr val="000000"/>
                   </a:solidFill>
@@ -9334,7 +9334,7 @@
             </a:ln>
             <a:extLst>
               <a:ext uri="{91240B29-F687-4f45-9708-019B960494DF}">
-                <a14:hiddenLine xmlns:a14="http://schemas.microsoft.com/office/drawing/2010/main" xmlns="" w="9525">
+                <a14:hiddenLine xmlns="" xmlns:a14="http://schemas.microsoft.com/office/drawing/2010/main" w="9525">
                   <a:solidFill>
                     <a:srgbClr val="000000"/>
                   </a:solidFill>
@@ -9396,7 +9396,7 @@
             </a:ln>
             <a:extLst>
               <a:ext uri="{91240B29-F687-4f45-9708-019B960494DF}">
-                <a14:hiddenLine xmlns:a14="http://schemas.microsoft.com/office/drawing/2010/main" xmlns="" w="9525">
+                <a14:hiddenLine xmlns="" xmlns:a14="http://schemas.microsoft.com/office/drawing/2010/main" w="9525">
                   <a:solidFill>
                     <a:srgbClr val="000000"/>
                   </a:solidFill>
@@ -9486,7 +9486,7 @@
             </a:ln>
             <a:extLst>
               <a:ext uri="{91240B29-F687-4f45-9708-019B960494DF}">
-                <a14:hiddenLine xmlns:a14="http://schemas.microsoft.com/office/drawing/2010/main" xmlns="" w="9525">
+                <a14:hiddenLine xmlns="" xmlns:a14="http://schemas.microsoft.com/office/drawing/2010/main" w="9525">
                   <a:solidFill>
                     <a:srgbClr val="000000"/>
                   </a:solidFill>
@@ -9548,7 +9548,7 @@
             </a:ln>
             <a:extLst>
               <a:ext uri="{91240B29-F687-4f45-9708-019B960494DF}">
-                <a14:hiddenLine xmlns:a14="http://schemas.microsoft.com/office/drawing/2010/main" xmlns="" w="9525">
+                <a14:hiddenLine xmlns="" xmlns:a14="http://schemas.microsoft.com/office/drawing/2010/main" w="9525">
                   <a:solidFill>
                     <a:srgbClr val="000000"/>
                   </a:solidFill>
@@ -9638,7 +9638,7 @@
             </a:ln>
             <a:extLst>
               <a:ext uri="{91240B29-F687-4f45-9708-019B960494DF}">
-                <a14:hiddenLine xmlns:a14="http://schemas.microsoft.com/office/drawing/2010/main" xmlns="" w="9525">
+                <a14:hiddenLine xmlns="" xmlns:a14="http://schemas.microsoft.com/office/drawing/2010/main" w="9525">
                   <a:solidFill>
                     <a:srgbClr val="000000"/>
                   </a:solidFill>
@@ -9700,7 +9700,7 @@
             </a:ln>
             <a:extLst>
               <a:ext uri="{91240B29-F687-4f45-9708-019B960494DF}">
-                <a14:hiddenLine xmlns:a14="http://schemas.microsoft.com/office/drawing/2010/main" xmlns="" w="9525">
+                <a14:hiddenLine xmlns="" xmlns:a14="http://schemas.microsoft.com/office/drawing/2010/main" w="9525">
                   <a:solidFill>
                     <a:srgbClr val="000000"/>
                   </a:solidFill>
@@ -9790,7 +9790,7 @@
             </a:ln>
             <a:extLst>
               <a:ext uri="{91240B29-F687-4f45-9708-019B960494DF}">
-                <a14:hiddenLine xmlns:a14="http://schemas.microsoft.com/office/drawing/2010/main" xmlns="" w="9525">
+                <a14:hiddenLine xmlns="" xmlns:a14="http://schemas.microsoft.com/office/drawing/2010/main" w="9525">
                   <a:solidFill>
                     <a:srgbClr val="000000"/>
                   </a:solidFill>
@@ -9824,7 +9824,7 @@
             </a:ln>
             <a:extLst>
               <a:ext uri="{91240B29-F687-4f45-9708-019B960494DF}">
-                <a14:hiddenLine xmlns:a14="http://schemas.microsoft.com/office/drawing/2010/main" xmlns="" w="9525">
+                <a14:hiddenLine xmlns="" xmlns:a14="http://schemas.microsoft.com/office/drawing/2010/main" w="9525">
                   <a:solidFill>
                     <a:srgbClr val="000000"/>
                   </a:solidFill>
@@ -9889,7 +9889,7 @@
             </a:ln>
             <a:extLst>
               <a:ext uri="{91240B29-F687-4f45-9708-019B960494DF}">
-                <a14:hiddenLine xmlns:a14="http://schemas.microsoft.com/office/drawing/2010/main" xmlns="" w="9525">
+                <a14:hiddenLine xmlns="" xmlns:a14="http://schemas.microsoft.com/office/drawing/2010/main" w="9525">
                   <a:solidFill>
                     <a:srgbClr val="000000"/>
                   </a:solidFill>
@@ -9979,7 +9979,7 @@
             </a:ln>
             <a:extLst>
               <a:ext uri="{91240B29-F687-4f45-9708-019B960494DF}">
-                <a14:hiddenLine xmlns:a14="http://schemas.microsoft.com/office/drawing/2010/main" xmlns="" w="9525">
+                <a14:hiddenLine xmlns="" xmlns:a14="http://schemas.microsoft.com/office/drawing/2010/main" w="9525">
                   <a:solidFill>
                     <a:srgbClr val="000000"/>
                   </a:solidFill>
@@ -10041,7 +10041,7 @@
             </a:ln>
             <a:extLst>
               <a:ext uri="{91240B29-F687-4f45-9708-019B960494DF}">
-                <a14:hiddenLine xmlns:a14="http://schemas.microsoft.com/office/drawing/2010/main" xmlns="" w="9525">
+                <a14:hiddenLine xmlns="" xmlns:a14="http://schemas.microsoft.com/office/drawing/2010/main" w="9525">
                   <a:solidFill>
                     <a:srgbClr val="000000"/>
                   </a:solidFill>
@@ -10131,7 +10131,7 @@
             </a:ln>
             <a:extLst>
               <a:ext uri="{91240B29-F687-4f45-9708-019B960494DF}">
-                <a14:hiddenLine xmlns:a14="http://schemas.microsoft.com/office/drawing/2010/main" xmlns="" w="9525">
+                <a14:hiddenLine xmlns="" xmlns:a14="http://schemas.microsoft.com/office/drawing/2010/main" w="9525">
                   <a:solidFill>
                     <a:srgbClr val="000000"/>
                   </a:solidFill>
@@ -10221,7 +10221,7 @@
             </a:ln>
             <a:extLst>
               <a:ext uri="{91240B29-F687-4f45-9708-019B960494DF}">
-                <a14:hiddenLine xmlns:a14="http://schemas.microsoft.com/office/drawing/2010/main" xmlns="" w="9525">
+                <a14:hiddenLine xmlns="" xmlns:a14="http://schemas.microsoft.com/office/drawing/2010/main" w="9525">
                   <a:solidFill>
                     <a:srgbClr val="000000"/>
                   </a:solidFill>
@@ -10286,7 +10286,7 @@
             </a:ln>
             <a:extLst>
               <a:ext uri="{91240B29-F687-4f45-9708-019B960494DF}">
-                <a14:hiddenLine xmlns:a14="http://schemas.microsoft.com/office/drawing/2010/main" xmlns="" w="9525">
+                <a14:hiddenLine xmlns="" xmlns:a14="http://schemas.microsoft.com/office/drawing/2010/main" w="9525">
                   <a:solidFill>
                     <a:srgbClr val="000000"/>
                   </a:solidFill>
@@ -10348,7 +10348,7 @@
             </a:ln>
             <a:extLst>
               <a:ext uri="{91240B29-F687-4f45-9708-019B960494DF}">
-                <a14:hiddenLine xmlns:a14="http://schemas.microsoft.com/office/drawing/2010/main" xmlns="" w="9525">
+                <a14:hiddenLine xmlns="" xmlns:a14="http://schemas.microsoft.com/office/drawing/2010/main" w="9525">
                   <a:solidFill>
                     <a:srgbClr val="000000"/>
                   </a:solidFill>
@@ -10438,7 +10438,7 @@
             </a:ln>
             <a:extLst>
               <a:ext uri="{91240B29-F687-4f45-9708-019B960494DF}">
-                <a14:hiddenLine xmlns:a14="http://schemas.microsoft.com/office/drawing/2010/main" xmlns="" w="9525">
+                <a14:hiddenLine xmlns="" xmlns:a14="http://schemas.microsoft.com/office/drawing/2010/main" w="9525">
                   <a:solidFill>
                     <a:srgbClr val="000000"/>
                   </a:solidFill>
@@ -10528,7 +10528,7 @@
             </a:ln>
             <a:extLst>
               <a:ext uri="{91240B29-F687-4f45-9708-019B960494DF}">
-                <a14:hiddenLine xmlns:a14="http://schemas.microsoft.com/office/drawing/2010/main" xmlns="" w="9525">
+                <a14:hiddenLine xmlns="" xmlns:a14="http://schemas.microsoft.com/office/drawing/2010/main" w="9525">
                   <a:solidFill>
                     <a:srgbClr val="000000"/>
                   </a:solidFill>
@@ -10590,7 +10590,7 @@
             </a:ln>
             <a:extLst>
               <a:ext uri="{91240B29-F687-4f45-9708-019B960494DF}">
-                <a14:hiddenLine xmlns:a14="http://schemas.microsoft.com/office/drawing/2010/main" xmlns="" w="9525">
+                <a14:hiddenLine xmlns="" xmlns:a14="http://schemas.microsoft.com/office/drawing/2010/main" w="9525">
                   <a:solidFill>
                     <a:srgbClr val="000000"/>
                   </a:solidFill>
@@ -10710,7 +10710,7 @@
             </a:ln>
             <a:extLst>
               <a:ext uri="{91240B29-F687-4f45-9708-019B960494DF}">
-                <a14:hiddenLine xmlns:a14="http://schemas.microsoft.com/office/drawing/2010/main" xmlns="" w="9525">
+                <a14:hiddenLine xmlns="" xmlns:a14="http://schemas.microsoft.com/office/drawing/2010/main" w="9525">
                   <a:solidFill>
                     <a:srgbClr val="000000"/>
                   </a:solidFill>
@@ -10778,7 +10778,7 @@
             </a:ln>
             <a:extLst>
               <a:ext uri="{91240B29-F687-4f45-9708-019B960494DF}">
-                <a14:hiddenLine xmlns:a14="http://schemas.microsoft.com/office/drawing/2010/main" xmlns="" w="9525">
+                <a14:hiddenLine xmlns="" xmlns:a14="http://schemas.microsoft.com/office/drawing/2010/main" w="9525">
                   <a:solidFill>
                     <a:srgbClr val="000000"/>
                   </a:solidFill>
@@ -10868,7 +10868,7 @@
             </a:ln>
             <a:extLst>
               <a:ext uri="{91240B29-F687-4f45-9708-019B960494DF}">
-                <a14:hiddenLine xmlns:a14="http://schemas.microsoft.com/office/drawing/2010/main" xmlns="" w="9525">
+                <a14:hiddenLine xmlns="" xmlns:a14="http://schemas.microsoft.com/office/drawing/2010/main" w="9525">
                   <a:solidFill>
                     <a:srgbClr val="000000"/>
                   </a:solidFill>
@@ -11008,7 +11008,7 @@
           <a:p>
             <a:fld id="{C864CD9A-04ED-4A85-98D2-8772B154B4A6}" type="datetimeFigureOut">
               <a:rPr lang="en-IN" smtClean="0"/>
-              <a:t>20-09-2021</a:t>
+              <a:t>21-09-2021</a:t>
             </a:fld>
             <a:endParaRPr lang="en-IN"/>
           </a:p>
@@ -11275,7 +11275,7 @@
           <a:p>
             <a:fld id="{C864CD9A-04ED-4A85-98D2-8772B154B4A6}" type="datetimeFigureOut">
               <a:rPr lang="en-IN" smtClean="0"/>
-              <a:t>20-09-2021</a:t>
+              <a:t>21-09-2021</a:t>
             </a:fld>
             <a:endParaRPr lang="en-IN"/>
           </a:p>
@@ -11471,7 +11471,7 @@
           <a:p>
             <a:fld id="{C864CD9A-04ED-4A85-98D2-8772B154B4A6}" type="datetimeFigureOut">
               <a:rPr lang="en-IN" smtClean="0"/>
-              <a:t>20-09-2021</a:t>
+              <a:t>21-09-2021</a:t>
             </a:fld>
             <a:endParaRPr lang="en-IN"/>
           </a:p>
@@ -11734,7 +11734,7 @@
           <a:p>
             <a:fld id="{C864CD9A-04ED-4A85-98D2-8772B154B4A6}" type="datetimeFigureOut">
               <a:rPr lang="en-IN" smtClean="0"/>
-              <a:t>20-09-2021</a:t>
+              <a:t>21-09-2021</a:t>
             </a:fld>
             <a:endParaRPr lang="en-IN"/>
           </a:p>
@@ -12168,7 +12168,7 @@
           <a:p>
             <a:fld id="{C864CD9A-04ED-4A85-98D2-8772B154B4A6}" type="datetimeFigureOut">
               <a:rPr lang="en-IN" smtClean="0"/>
-              <a:t>20-09-2021</a:t>
+              <a:t>21-09-2021</a:t>
             </a:fld>
             <a:endParaRPr lang="en-IN"/>
           </a:p>
@@ -12714,7 +12714,7 @@
           <a:p>
             <a:fld id="{C864CD9A-04ED-4A85-98D2-8772B154B4A6}" type="datetimeFigureOut">
               <a:rPr lang="en-IN" smtClean="0"/>
-              <a:t>20-09-2021</a:t>
+              <a:t>21-09-2021</a:t>
             </a:fld>
             <a:endParaRPr lang="en-IN"/>
           </a:p>
@@ -13434,7 +13434,7 @@
           <a:p>
             <a:fld id="{C864CD9A-04ED-4A85-98D2-8772B154B4A6}" type="datetimeFigureOut">
               <a:rPr lang="en-IN" smtClean="0"/>
-              <a:t>20-09-2021</a:t>
+              <a:t>21-09-2021</a:t>
             </a:fld>
             <a:endParaRPr lang="en-IN"/>
           </a:p>
@@ -13604,7 +13604,7 @@
           <a:p>
             <a:fld id="{C864CD9A-04ED-4A85-98D2-8772B154B4A6}" type="datetimeFigureOut">
               <a:rPr lang="en-IN" smtClean="0"/>
-              <a:t>20-09-2021</a:t>
+              <a:t>21-09-2021</a:t>
             </a:fld>
             <a:endParaRPr lang="en-IN"/>
           </a:p>
@@ -13784,7 +13784,7 @@
           <a:p>
             <a:fld id="{C864CD9A-04ED-4A85-98D2-8772B154B4A6}" type="datetimeFigureOut">
               <a:rPr lang="en-IN" smtClean="0"/>
-              <a:t>20-09-2021</a:t>
+              <a:t>21-09-2021</a:t>
             </a:fld>
             <a:endParaRPr lang="en-IN"/>
           </a:p>
@@ -13954,7 +13954,7 @@
           <a:p>
             <a:fld id="{C864CD9A-04ED-4A85-98D2-8772B154B4A6}" type="datetimeFigureOut">
               <a:rPr lang="en-IN" smtClean="0"/>
-              <a:t>20-09-2021</a:t>
+              <a:t>21-09-2021</a:t>
             </a:fld>
             <a:endParaRPr lang="en-IN"/>
           </a:p>
@@ -14204,7 +14204,7 @@
           <a:p>
             <a:fld id="{C864CD9A-04ED-4A85-98D2-8772B154B4A6}" type="datetimeFigureOut">
               <a:rPr lang="en-IN" smtClean="0"/>
-              <a:t>20-09-2021</a:t>
+              <a:t>21-09-2021</a:t>
             </a:fld>
             <a:endParaRPr lang="en-IN"/>
           </a:p>
@@ -14436,7 +14436,7 @@
           <a:p>
             <a:fld id="{C864CD9A-04ED-4A85-98D2-8772B154B4A6}" type="datetimeFigureOut">
               <a:rPr lang="en-IN" smtClean="0"/>
-              <a:t>20-09-2021</a:t>
+              <a:t>21-09-2021</a:t>
             </a:fld>
             <a:endParaRPr lang="en-IN"/>
           </a:p>
@@ -14817,7 +14817,7 @@
           <a:p>
             <a:fld id="{C864CD9A-04ED-4A85-98D2-8772B154B4A6}" type="datetimeFigureOut">
               <a:rPr lang="en-IN" smtClean="0"/>
-              <a:t>20-09-2021</a:t>
+              <a:t>21-09-2021</a:t>
             </a:fld>
             <a:endParaRPr lang="en-IN"/>
           </a:p>
@@ -14935,7 +14935,7 @@
           <a:p>
             <a:fld id="{C864CD9A-04ED-4A85-98D2-8772B154B4A6}" type="datetimeFigureOut">
               <a:rPr lang="en-IN" smtClean="0"/>
-              <a:t>20-09-2021</a:t>
+              <a:t>21-09-2021</a:t>
             </a:fld>
             <a:endParaRPr lang="en-IN"/>
           </a:p>
@@ -15030,7 +15030,7 @@
           <a:p>
             <a:fld id="{C864CD9A-04ED-4A85-98D2-8772B154B4A6}" type="datetimeFigureOut">
               <a:rPr lang="en-IN" smtClean="0"/>
-              <a:t>20-09-2021</a:t>
+              <a:t>21-09-2021</a:t>
             </a:fld>
             <a:endParaRPr lang="en-IN"/>
           </a:p>
@@ -15279,7 +15279,7 @@
           <a:p>
             <a:fld id="{C864CD9A-04ED-4A85-98D2-8772B154B4A6}" type="datetimeFigureOut">
               <a:rPr lang="en-IN" smtClean="0"/>
-              <a:t>20-09-2021</a:t>
+              <a:t>21-09-2021</a:t>
             </a:fld>
             <a:endParaRPr lang="en-IN"/>
           </a:p>
@@ -15559,7 +15559,7 @@
           <a:p>
             <a:fld id="{C864CD9A-04ED-4A85-98D2-8772B154B4A6}" type="datetimeFigureOut">
               <a:rPr lang="en-IN" smtClean="0"/>
-              <a:t>20-09-2021</a:t>
+              <a:t>21-09-2021</a:t>
             </a:fld>
             <a:endParaRPr lang="en-IN"/>
           </a:p>
@@ -15675,7 +15675,7 @@
           <a:noFill/>
           <a:extLst>
             <a:ext uri="{909E8E84-426E-40dd-AFC4-6F175D3DCCD1}">
-              <a14:hiddenFill xmlns:a14="http://schemas.microsoft.com/office/drawing/2010/main" xmlns="">
+              <a14:hiddenFill xmlns="" xmlns:a14="http://schemas.microsoft.com/office/drawing/2010/main">
                 <a:solidFill>
                   <a:srgbClr val="FFFFFF"/>
                 </a:solidFill>
@@ -15749,7 +15749,7 @@
               </a:ln>
               <a:extLst>
                 <a:ext uri="{91240B29-F687-4f45-9708-019B960494DF}">
-                  <a14:hiddenLine xmlns:a14="http://schemas.microsoft.com/office/drawing/2010/main" xmlns="" w="9525">
+                  <a14:hiddenLine xmlns="" xmlns:a14="http://schemas.microsoft.com/office/drawing/2010/main" w="9525">
                     <a:solidFill>
                       <a:srgbClr val="000000"/>
                     </a:solidFill>
@@ -15839,7 +15839,7 @@
               </a:ln>
               <a:extLst>
                 <a:ext uri="{91240B29-F687-4f45-9708-019B960494DF}">
-                  <a14:hiddenLine xmlns:a14="http://schemas.microsoft.com/office/drawing/2010/main" xmlns="" w="9525">
+                  <a14:hiddenLine xmlns="" xmlns:a14="http://schemas.microsoft.com/office/drawing/2010/main" w="9525">
                     <a:solidFill>
                       <a:srgbClr val="000000"/>
                     </a:solidFill>
@@ -15929,7 +15929,7 @@
               </a:ln>
               <a:extLst>
                 <a:ext uri="{91240B29-F687-4f45-9708-019B960494DF}">
-                  <a14:hiddenLine xmlns:a14="http://schemas.microsoft.com/office/drawing/2010/main" xmlns="" w="9525">
+                  <a14:hiddenLine xmlns="" xmlns:a14="http://schemas.microsoft.com/office/drawing/2010/main" w="9525">
                     <a:solidFill>
                       <a:srgbClr val="000000"/>
                     </a:solidFill>
@@ -15991,7 +15991,7 @@
               </a:ln>
               <a:extLst>
                 <a:ext uri="{91240B29-F687-4f45-9708-019B960494DF}">
-                  <a14:hiddenLine xmlns:a14="http://schemas.microsoft.com/office/drawing/2010/main" xmlns="" w="9525">
+                  <a14:hiddenLine xmlns="" xmlns:a14="http://schemas.microsoft.com/office/drawing/2010/main" w="9525">
                     <a:solidFill>
                       <a:srgbClr val="000000"/>
                     </a:solidFill>
@@ -16081,7 +16081,7 @@
               </a:ln>
               <a:extLst>
                 <a:ext uri="{91240B29-F687-4f45-9708-019B960494DF}">
-                  <a14:hiddenLine xmlns:a14="http://schemas.microsoft.com/office/drawing/2010/main" xmlns="" w="9525">
+                  <a14:hiddenLine xmlns="" xmlns:a14="http://schemas.microsoft.com/office/drawing/2010/main" w="9525">
                     <a:solidFill>
                       <a:srgbClr val="000000"/>
                     </a:solidFill>
@@ -16143,7 +16143,7 @@
               </a:ln>
               <a:extLst>
                 <a:ext uri="{91240B29-F687-4f45-9708-019B960494DF}">
-                  <a14:hiddenLine xmlns:a14="http://schemas.microsoft.com/office/drawing/2010/main" xmlns="" w="9525">
+                  <a14:hiddenLine xmlns="" xmlns:a14="http://schemas.microsoft.com/office/drawing/2010/main" w="9525">
                     <a:solidFill>
                       <a:srgbClr val="000000"/>
                     </a:solidFill>
@@ -16205,7 +16205,7 @@
               </a:ln>
               <a:extLst>
                 <a:ext uri="{91240B29-F687-4f45-9708-019B960494DF}">
-                  <a14:hiddenLine xmlns:a14="http://schemas.microsoft.com/office/drawing/2010/main" xmlns="" w="9525">
+                  <a14:hiddenLine xmlns="" xmlns:a14="http://schemas.microsoft.com/office/drawing/2010/main" w="9525">
                     <a:solidFill>
                       <a:srgbClr val="000000"/>
                     </a:solidFill>
@@ -16295,7 +16295,7 @@
               </a:ln>
               <a:extLst>
                 <a:ext uri="{91240B29-F687-4f45-9708-019B960494DF}">
-                  <a14:hiddenLine xmlns:a14="http://schemas.microsoft.com/office/drawing/2010/main" xmlns="" w="9525">
+                  <a14:hiddenLine xmlns="" xmlns:a14="http://schemas.microsoft.com/office/drawing/2010/main" w="9525">
                     <a:solidFill>
                       <a:srgbClr val="000000"/>
                     </a:solidFill>
@@ -16385,7 +16385,7 @@
               </a:ln>
               <a:extLst>
                 <a:ext uri="{91240B29-F687-4f45-9708-019B960494DF}">
-                  <a14:hiddenLine xmlns:a14="http://schemas.microsoft.com/office/drawing/2010/main" xmlns="" w="9525">
+                  <a14:hiddenLine xmlns="" xmlns:a14="http://schemas.microsoft.com/office/drawing/2010/main" w="9525">
                     <a:solidFill>
                       <a:srgbClr val="000000"/>
                     </a:solidFill>
@@ -16447,7 +16447,7 @@
               </a:ln>
               <a:extLst>
                 <a:ext uri="{91240B29-F687-4f45-9708-019B960494DF}">
-                  <a14:hiddenLine xmlns:a14="http://schemas.microsoft.com/office/drawing/2010/main" xmlns="" w="9525">
+                  <a14:hiddenLine xmlns="" xmlns:a14="http://schemas.microsoft.com/office/drawing/2010/main" w="9525">
                     <a:solidFill>
                       <a:srgbClr val="000000"/>
                     </a:solidFill>
@@ -16557,7 +16557,7 @@
               </a:ln>
               <a:extLst>
                 <a:ext uri="{91240B29-F687-4f45-9708-019B960494DF}">
-                  <a14:hiddenLine xmlns:a14="http://schemas.microsoft.com/office/drawing/2010/main" xmlns="" w="9525">
+                  <a14:hiddenLine xmlns="" xmlns:a14="http://schemas.microsoft.com/office/drawing/2010/main" w="9525">
                     <a:solidFill>
                       <a:srgbClr val="000000"/>
                     </a:solidFill>
@@ -16641,7 +16641,7 @@
               </a:ln>
               <a:extLst>
                 <a:ext uri="{91240B29-F687-4f45-9708-019B960494DF}">
-                  <a14:hiddenLine xmlns:a14="http://schemas.microsoft.com/office/drawing/2010/main" xmlns="" w="9525">
+                  <a14:hiddenLine xmlns="" xmlns:a14="http://schemas.microsoft.com/office/drawing/2010/main" w="9525">
                     <a:solidFill>
                       <a:srgbClr val="000000"/>
                     </a:solidFill>
@@ -16703,7 +16703,7 @@
               </a:ln>
               <a:extLst>
                 <a:ext uri="{91240B29-F687-4f45-9708-019B960494DF}">
-                  <a14:hiddenLine xmlns:a14="http://schemas.microsoft.com/office/drawing/2010/main" xmlns="" w="9525">
+                  <a14:hiddenLine xmlns="" xmlns:a14="http://schemas.microsoft.com/office/drawing/2010/main" w="9525">
                     <a:solidFill>
                       <a:srgbClr val="000000"/>
                     </a:solidFill>
@@ -16765,7 +16765,7 @@
               </a:ln>
               <a:extLst>
                 <a:ext uri="{91240B29-F687-4f45-9708-019B960494DF}">
-                  <a14:hiddenLine xmlns:a14="http://schemas.microsoft.com/office/drawing/2010/main" xmlns="" w="9525">
+                  <a14:hiddenLine xmlns="" xmlns:a14="http://schemas.microsoft.com/office/drawing/2010/main" w="9525">
                     <a:solidFill>
                       <a:srgbClr val="000000"/>
                     </a:solidFill>
@@ -16855,7 +16855,7 @@
               </a:ln>
               <a:extLst>
                 <a:ext uri="{91240B29-F687-4f45-9708-019B960494DF}">
-                  <a14:hiddenLine xmlns:a14="http://schemas.microsoft.com/office/drawing/2010/main" xmlns="" w="9525">
+                  <a14:hiddenLine xmlns="" xmlns:a14="http://schemas.microsoft.com/office/drawing/2010/main" w="9525">
                     <a:solidFill>
                       <a:srgbClr val="000000"/>
                     </a:solidFill>
@@ -16889,7 +16889,7 @@
               </a:ln>
               <a:extLst>
                 <a:ext uri="{91240B29-F687-4f45-9708-019B960494DF}">
-                  <a14:hiddenLine xmlns:a14="http://schemas.microsoft.com/office/drawing/2010/main" xmlns="" w="9525">
+                  <a14:hiddenLine xmlns="" xmlns:a14="http://schemas.microsoft.com/office/drawing/2010/main" w="9525">
                     <a:solidFill>
                       <a:srgbClr val="000000"/>
                     </a:solidFill>
@@ -16954,7 +16954,7 @@
               </a:ln>
               <a:extLst>
                 <a:ext uri="{91240B29-F687-4f45-9708-019B960494DF}">
-                  <a14:hiddenLine xmlns:a14="http://schemas.microsoft.com/office/drawing/2010/main" xmlns="" w="9525">
+                  <a14:hiddenLine xmlns="" xmlns:a14="http://schemas.microsoft.com/office/drawing/2010/main" w="9525">
                     <a:solidFill>
                       <a:srgbClr val="000000"/>
                     </a:solidFill>
@@ -17044,7 +17044,7 @@
               </a:ln>
               <a:extLst>
                 <a:ext uri="{91240B29-F687-4f45-9708-019B960494DF}">
-                  <a14:hiddenLine xmlns:a14="http://schemas.microsoft.com/office/drawing/2010/main" xmlns="" w="9525">
+                  <a14:hiddenLine xmlns="" xmlns:a14="http://schemas.microsoft.com/office/drawing/2010/main" w="9525">
                     <a:solidFill>
                       <a:srgbClr val="000000"/>
                     </a:solidFill>
@@ -17106,7 +17106,7 @@
               </a:ln>
               <a:extLst>
                 <a:ext uri="{91240B29-F687-4f45-9708-019B960494DF}">
-                  <a14:hiddenLine xmlns:a14="http://schemas.microsoft.com/office/drawing/2010/main" xmlns="" w="9525">
+                  <a14:hiddenLine xmlns="" xmlns:a14="http://schemas.microsoft.com/office/drawing/2010/main" w="9525">
                     <a:solidFill>
                       <a:srgbClr val="000000"/>
                     </a:solidFill>
@@ -17196,7 +17196,7 @@
               </a:ln>
               <a:extLst>
                 <a:ext uri="{91240B29-F687-4f45-9708-019B960494DF}">
-                  <a14:hiddenLine xmlns:a14="http://schemas.microsoft.com/office/drawing/2010/main" xmlns="" w="9525">
+                  <a14:hiddenLine xmlns="" xmlns:a14="http://schemas.microsoft.com/office/drawing/2010/main" w="9525">
                     <a:solidFill>
                       <a:srgbClr val="000000"/>
                     </a:solidFill>
@@ -17261,7 +17261,7 @@
               </a:ln>
               <a:extLst>
                 <a:ext uri="{91240B29-F687-4f45-9708-019B960494DF}">
-                  <a14:hiddenLine xmlns:a14="http://schemas.microsoft.com/office/drawing/2010/main" xmlns="" w="9525">
+                  <a14:hiddenLine xmlns="" xmlns:a14="http://schemas.microsoft.com/office/drawing/2010/main" w="9525">
                     <a:solidFill>
                       <a:srgbClr val="000000"/>
                     </a:solidFill>
@@ -17323,7 +17323,7 @@
               </a:ln>
               <a:extLst>
                 <a:ext uri="{91240B29-F687-4f45-9708-019B960494DF}">
-                  <a14:hiddenLine xmlns:a14="http://schemas.microsoft.com/office/drawing/2010/main" xmlns="" w="9525">
+                  <a14:hiddenLine xmlns="" xmlns:a14="http://schemas.microsoft.com/office/drawing/2010/main" w="9525">
                     <a:solidFill>
                       <a:srgbClr val="000000"/>
                     </a:solidFill>
@@ -17413,7 +17413,7 @@
               </a:ln>
               <a:extLst>
                 <a:ext uri="{91240B29-F687-4f45-9708-019B960494DF}">
-                  <a14:hiddenLine xmlns:a14="http://schemas.microsoft.com/office/drawing/2010/main" xmlns="" w="9525">
+                  <a14:hiddenLine xmlns="" xmlns:a14="http://schemas.microsoft.com/office/drawing/2010/main" w="9525">
                     <a:solidFill>
                       <a:srgbClr val="000000"/>
                     </a:solidFill>
@@ -17503,7 +17503,7 @@
               </a:ln>
               <a:extLst>
                 <a:ext uri="{91240B29-F687-4f45-9708-019B960494DF}">
-                  <a14:hiddenLine xmlns:a14="http://schemas.microsoft.com/office/drawing/2010/main" xmlns="" w="9525">
+                  <a14:hiddenLine xmlns="" xmlns:a14="http://schemas.microsoft.com/office/drawing/2010/main" w="9525">
                     <a:solidFill>
                       <a:srgbClr val="000000"/>
                     </a:solidFill>
@@ -17568,7 +17568,7 @@
               </a:ln>
               <a:extLst>
                 <a:ext uri="{91240B29-F687-4f45-9708-019B960494DF}">
-                  <a14:hiddenLine xmlns:a14="http://schemas.microsoft.com/office/drawing/2010/main" xmlns="" w="9525">
+                  <a14:hiddenLine xmlns="" xmlns:a14="http://schemas.microsoft.com/office/drawing/2010/main" w="9525">
                     <a:solidFill>
                       <a:srgbClr val="000000"/>
                     </a:solidFill>
@@ -17688,7 +17688,7 @@
               </a:ln>
               <a:extLst>
                 <a:ext uri="{91240B29-F687-4f45-9708-019B960494DF}">
-                  <a14:hiddenLine xmlns:a14="http://schemas.microsoft.com/office/drawing/2010/main" xmlns="" w="9525">
+                  <a14:hiddenLine xmlns="" xmlns:a14="http://schemas.microsoft.com/office/drawing/2010/main" w="9525">
                     <a:solidFill>
                       <a:srgbClr val="000000"/>
                     </a:solidFill>
@@ -17786,7 +17786,7 @@
               </a:ln>
               <a:extLst>
                 <a:ext uri="{91240B29-F687-4f45-9708-019B960494DF}">
-                  <a14:hiddenLine xmlns:a14="http://schemas.microsoft.com/office/drawing/2010/main" xmlns="" w="9525">
+                  <a14:hiddenLine xmlns="" xmlns:a14="http://schemas.microsoft.com/office/drawing/2010/main" w="9525">
                     <a:solidFill>
                       <a:srgbClr val="000000"/>
                     </a:solidFill>
@@ -17901,7 +17901,7 @@
               </a:ln>
               <a:extLst>
                 <a:ext uri="{91240B29-F687-4f45-9708-019B960494DF}">
-                  <a14:hiddenLine xmlns:a14="http://schemas.microsoft.com/office/drawing/2010/main" xmlns="" w="9525">
+                  <a14:hiddenLine xmlns="" xmlns:a14="http://schemas.microsoft.com/office/drawing/2010/main" w="9525">
                     <a:solidFill>
                       <a:srgbClr val="000000"/>
                     </a:solidFill>
@@ -17991,7 +17991,7 @@
               </a:ln>
               <a:extLst>
                 <a:ext uri="{91240B29-F687-4f45-9708-019B960494DF}">
-                  <a14:hiddenLine xmlns:a14="http://schemas.microsoft.com/office/drawing/2010/main" xmlns="" w="9525">
+                  <a14:hiddenLine xmlns="" xmlns:a14="http://schemas.microsoft.com/office/drawing/2010/main" w="9525">
                     <a:solidFill>
                       <a:srgbClr val="000000"/>
                     </a:solidFill>
@@ -18056,7 +18056,7 @@
               </a:ln>
               <a:extLst>
                 <a:ext uri="{91240B29-F687-4f45-9708-019B960494DF}">
-                  <a14:hiddenLine xmlns:a14="http://schemas.microsoft.com/office/drawing/2010/main" xmlns="" w="9525">
+                  <a14:hiddenLine xmlns="" xmlns:a14="http://schemas.microsoft.com/office/drawing/2010/main" w="9525">
                     <a:solidFill>
                       <a:srgbClr val="000000"/>
                     </a:solidFill>
@@ -18146,7 +18146,7 @@
               </a:ln>
               <a:extLst>
                 <a:ext uri="{91240B29-F687-4f45-9708-019B960494DF}">
-                  <a14:hiddenLine xmlns:a14="http://schemas.microsoft.com/office/drawing/2010/main" xmlns="" w="9525">
+                  <a14:hiddenLine xmlns="" xmlns:a14="http://schemas.microsoft.com/office/drawing/2010/main" w="9525">
                     <a:solidFill>
                       <a:srgbClr val="000000"/>
                     </a:solidFill>
@@ -18214,7 +18214,7 @@
               </a:ln>
               <a:extLst>
                 <a:ext uri="{91240B29-F687-4f45-9708-019B960494DF}">
-                  <a14:hiddenLine xmlns:a14="http://schemas.microsoft.com/office/drawing/2010/main" xmlns="" w="9525">
+                  <a14:hiddenLine xmlns="" xmlns:a14="http://schemas.microsoft.com/office/drawing/2010/main" w="9525">
                     <a:solidFill>
                       <a:srgbClr val="000000"/>
                     </a:solidFill>
@@ -18304,7 +18304,7 @@
               </a:ln>
               <a:extLst>
                 <a:ext uri="{91240B29-F687-4f45-9708-019B960494DF}">
-                  <a14:hiddenLine xmlns:a14="http://schemas.microsoft.com/office/drawing/2010/main" xmlns="" w="9525">
+                  <a14:hiddenLine xmlns="" xmlns:a14="http://schemas.microsoft.com/office/drawing/2010/main" w="9525">
                     <a:solidFill>
                       <a:srgbClr val="000000"/>
                     </a:solidFill>
@@ -18372,7 +18372,7 @@
               </a:ln>
               <a:extLst>
                 <a:ext uri="{91240B29-F687-4f45-9708-019B960494DF}">
-                  <a14:hiddenLine xmlns:a14="http://schemas.microsoft.com/office/drawing/2010/main" xmlns="" w="9525">
+                  <a14:hiddenLine xmlns="" xmlns:a14="http://schemas.microsoft.com/office/drawing/2010/main" w="9525">
                     <a:solidFill>
                       <a:srgbClr val="000000"/>
                     </a:solidFill>
@@ -18462,7 +18462,7 @@
               </a:ln>
               <a:extLst>
                 <a:ext uri="{91240B29-F687-4f45-9708-019B960494DF}">
-                  <a14:hiddenLine xmlns:a14="http://schemas.microsoft.com/office/drawing/2010/main" xmlns="" w="9525">
+                  <a14:hiddenLine xmlns="" xmlns:a14="http://schemas.microsoft.com/office/drawing/2010/main" w="9525">
                     <a:solidFill>
                       <a:srgbClr val="000000"/>
                     </a:solidFill>
@@ -18496,7 +18496,7 @@
               </a:ln>
               <a:extLst>
                 <a:ext uri="{91240B29-F687-4f45-9708-019B960494DF}">
-                  <a14:hiddenLine xmlns:a14="http://schemas.microsoft.com/office/drawing/2010/main" xmlns="" w="9525">
+                  <a14:hiddenLine xmlns="" xmlns:a14="http://schemas.microsoft.com/office/drawing/2010/main" w="9525">
                     <a:solidFill>
                       <a:srgbClr val="000000"/>
                     </a:solidFill>
@@ -18636,7 +18636,7 @@
           <a:p>
             <a:fld id="{C864CD9A-04ED-4A85-98D2-8772B154B4A6}" type="datetimeFigureOut">
               <a:rPr lang="en-IN" smtClean="0"/>
-              <a:t>20-09-2021</a:t>
+              <a:t>21-09-2021</a:t>
             </a:fld>
             <a:endParaRPr lang="en-IN"/>
           </a:p>
@@ -19416,7 +19416,7 @@
         <p:spPr/>
         <p:txBody>
           <a:bodyPr>
-            <a:normAutofit fontScale="92500" lnSpcReduction="10000"/>
+            <a:normAutofit lnSpcReduction="10000"/>
           </a:bodyPr>
           <a:lstStyle/>
           <a:p>
@@ -19453,10 +19453,6 @@
                 <a:cs typeface="Times New Roman" panose="02020603050405020304" pitchFamily="18" charset="0"/>
               </a:rPr>
               <a:t>Our website also has a mentor facility which students can avail for a one on one guiding session if needed.</a:t>
-            </a:r>
-            <a:r>
-              <a:rPr lang="en-US" sz="2800" dirty="0"/>
-              <a:t>  </a:t>
             </a:r>
             <a:endParaRPr lang="en-IN" sz="2800" dirty="0"/>
           </a:p>
@@ -19714,7 +19710,7 @@
         </p:nvSpPr>
         <p:spPr>
           <a:xfrm>
-            <a:off x="757117" y="3429000"/>
+            <a:off x="2205152" y="3461485"/>
             <a:ext cx="914400" cy="914400"/>
           </a:xfrm>
           <a:prstGeom prst="roundRect">
@@ -19766,7 +19762,7 @@
         </p:nvSpPr>
         <p:spPr>
           <a:xfrm>
-            <a:off x="2149135" y="3448975"/>
+            <a:off x="3590890" y="3454020"/>
             <a:ext cx="914400" cy="914400"/>
           </a:xfrm>
           <a:prstGeom prst="roundRect">
@@ -19818,7 +19814,7 @@
         </p:nvSpPr>
         <p:spPr>
           <a:xfrm>
-            <a:off x="3594747" y="3429000"/>
+            <a:off x="709719" y="3473996"/>
             <a:ext cx="914400" cy="914400"/>
           </a:xfrm>
           <a:prstGeom prst="roundRect">
@@ -20289,7 +20285,7 @@
         </p:nvCxnSpPr>
         <p:spPr>
           <a:xfrm>
-            <a:off x="1671517" y="3886200"/>
+            <a:off x="3119552" y="3918685"/>
             <a:ext cx="503903" cy="0"/>
           </a:xfrm>
           <a:prstGeom prst="straightConnector1">
@@ -20301,101 +20297,6 @@
                 <a:lumMod val="95000"/>
                 <a:lumOff val="5000"/>
               </a:schemeClr>
-            </a:solidFill>
-            <a:tailEnd type="triangle"/>
-          </a:ln>
-        </p:spPr>
-        <p:style>
-          <a:lnRef idx="1">
-            <a:schemeClr val="accent1"/>
-          </a:lnRef>
-          <a:fillRef idx="0">
-            <a:schemeClr val="accent1"/>
-          </a:fillRef>
-          <a:effectRef idx="0">
-            <a:schemeClr val="accent1"/>
-          </a:effectRef>
-          <a:fontRef idx="minor">
-            <a:schemeClr val="tx1"/>
-          </a:fontRef>
-        </p:style>
-      </p:cxnSp>
-      <p:cxnSp>
-        <p:nvCxnSpPr>
-          <p:cNvPr id="38" name="Straight Arrow Connector 37">
-            <a:extLst>
-              <a:ext uri="{FF2B5EF4-FFF2-40B4-BE49-F238E27FC236}">
-                <a16:creationId xmlns:a16="http://schemas.microsoft.com/office/drawing/2014/main" id="{F4E9906D-4730-4FD4-B92A-8CF50028E864}"/>
-              </a:ext>
-            </a:extLst>
-          </p:cNvPr>
-          <p:cNvCxnSpPr>
-            <a:cxnSpLocks/>
-            <a:stCxn id="12" idx="3"/>
-            <a:endCxn id="13" idx="1"/>
-          </p:cNvCxnSpPr>
-          <p:nvPr/>
-        </p:nvCxnSpPr>
-        <p:spPr>
-          <a:xfrm flipV="1">
-            <a:off x="3063535" y="3886200"/>
-            <a:ext cx="531212" cy="19975"/>
-          </a:xfrm>
-          <a:prstGeom prst="straightConnector1">
-            <a:avLst/>
-          </a:prstGeom>
-          <a:ln>
-            <a:solidFill>
-              <a:schemeClr val="bg1">
-                <a:lumMod val="95000"/>
-                <a:lumOff val="5000"/>
-              </a:schemeClr>
-            </a:solidFill>
-            <a:tailEnd type="triangle"/>
-          </a:ln>
-        </p:spPr>
-        <p:style>
-          <a:lnRef idx="1">
-            <a:schemeClr val="accent1"/>
-          </a:lnRef>
-          <a:fillRef idx="0">
-            <a:schemeClr val="accent1"/>
-          </a:fillRef>
-          <a:effectRef idx="0">
-            <a:schemeClr val="accent1"/>
-          </a:effectRef>
-          <a:fontRef idx="minor">
-            <a:schemeClr val="tx1"/>
-          </a:fontRef>
-        </p:style>
-      </p:cxnSp>
-      <p:cxnSp>
-        <p:nvCxnSpPr>
-          <p:cNvPr id="41" name="Straight Arrow Connector 40">
-            <a:extLst>
-              <a:ext uri="{FF2B5EF4-FFF2-40B4-BE49-F238E27FC236}">
-                <a16:creationId xmlns:a16="http://schemas.microsoft.com/office/drawing/2014/main" id="{1F013426-4160-4C37-A5F9-4571B376C904}"/>
-              </a:ext>
-            </a:extLst>
-          </p:cNvPr>
-          <p:cNvCxnSpPr>
-            <a:cxnSpLocks/>
-            <a:stCxn id="13" idx="3"/>
-            <a:endCxn id="22" idx="1"/>
-          </p:cNvCxnSpPr>
-          <p:nvPr/>
-        </p:nvCxnSpPr>
-        <p:spPr>
-          <a:xfrm flipV="1">
-            <a:off x="4509147" y="2304521"/>
-            <a:ext cx="791985" cy="1581679"/>
-          </a:xfrm>
-          <a:prstGeom prst="straightConnector1">
-            <a:avLst/>
-          </a:prstGeom>
-          <a:ln>
-            <a:solidFill>
-              <a:schemeClr val="bg1"/>
             </a:solidFill>
             <a:tailEnd type="triangle"/>
           </a:ln>
@@ -20885,6 +20786,92 @@
           </a:fontRef>
         </p:style>
       </p:cxnSp>
+      <p:cxnSp>
+        <p:nvCxnSpPr>
+          <p:cNvPr id="7" name="Straight Arrow Connector 6">
+            <a:extLst>
+              <a:ext uri="{FF2B5EF4-FFF2-40B4-BE49-F238E27FC236}">
+                <a16:creationId xmlns:a16="http://schemas.microsoft.com/office/drawing/2014/main" id="{9FFDCF77-0808-4AAD-8621-030AADE2D7E5}"/>
+              </a:ext>
+            </a:extLst>
+          </p:cNvPr>
+          <p:cNvCxnSpPr>
+            <a:cxnSpLocks/>
+            <a:stCxn id="12" idx="3"/>
+            <a:endCxn id="22" idx="1"/>
+          </p:cNvCxnSpPr>
+          <p:nvPr/>
+        </p:nvCxnSpPr>
+        <p:spPr>
+          <a:xfrm flipV="1">
+            <a:off x="4505290" y="2304521"/>
+            <a:ext cx="795842" cy="1606699"/>
+          </a:xfrm>
+          <a:prstGeom prst="straightConnector1">
+            <a:avLst/>
+          </a:prstGeom>
+          <a:ln>
+            <a:tailEnd type="triangle"/>
+          </a:ln>
+        </p:spPr>
+        <p:style>
+          <a:lnRef idx="1">
+            <a:schemeClr val="dk1"/>
+          </a:lnRef>
+          <a:fillRef idx="0">
+            <a:schemeClr val="dk1"/>
+          </a:fillRef>
+          <a:effectRef idx="0">
+            <a:schemeClr val="dk1"/>
+          </a:effectRef>
+          <a:fontRef idx="minor">
+            <a:schemeClr val="tx1"/>
+          </a:fontRef>
+        </p:style>
+      </p:cxnSp>
+      <p:cxnSp>
+        <p:nvCxnSpPr>
+          <p:cNvPr id="10" name="Straight Arrow Connector 9">
+            <a:extLst>
+              <a:ext uri="{FF2B5EF4-FFF2-40B4-BE49-F238E27FC236}">
+                <a16:creationId xmlns:a16="http://schemas.microsoft.com/office/drawing/2014/main" id="{EF352B27-55DF-4CCB-8203-93446222BB13}"/>
+              </a:ext>
+            </a:extLst>
+          </p:cNvPr>
+          <p:cNvCxnSpPr>
+            <a:cxnSpLocks/>
+            <a:stCxn id="13" idx="3"/>
+            <a:endCxn id="11" idx="1"/>
+          </p:cNvCxnSpPr>
+          <p:nvPr/>
+        </p:nvCxnSpPr>
+        <p:spPr>
+          <a:xfrm flipV="1">
+            <a:off x="1624119" y="3918685"/>
+            <a:ext cx="581033" cy="12511"/>
+          </a:xfrm>
+          <a:prstGeom prst="straightConnector1">
+            <a:avLst/>
+          </a:prstGeom>
+          <a:ln>
+            <a:tailEnd type="triangle"/>
+          </a:ln>
+        </p:spPr>
+        <p:style>
+          <a:lnRef idx="1">
+            <a:schemeClr val="dk1"/>
+          </a:lnRef>
+          <a:fillRef idx="0">
+            <a:schemeClr val="dk1"/>
+          </a:fillRef>
+          <a:effectRef idx="0">
+            <a:schemeClr val="dk1"/>
+          </a:effectRef>
+          <a:fontRef idx="minor">
+            <a:schemeClr val="tx1"/>
+          </a:fontRef>
+        </p:style>
+      </p:cxnSp>
     </p:spTree>
     <p:extLst>
       <p:ext uri="{BB962C8B-B14F-4D97-AF65-F5344CB8AC3E}">
@@ -21090,13 +21077,7 @@
               <a:rPr lang="en-US" b="1" dirty="0">
                 <a:latin typeface="Footlight MT Light" panose="0204060206030A020304" pitchFamily="18" charset="0"/>
               </a:rPr>
-              <a:t>ER Diagram and </a:t>
-            </a:r>
-            <a:r>
-              <a:rPr lang="en-US" b="1" dirty="0" err="1">
-                <a:latin typeface="Footlight MT Light" panose="0204060206030A020304" pitchFamily="18" charset="0"/>
-              </a:rPr>
-              <a:t>TAbles</a:t>
+              <a:t>ER Diagram and Tables</a:t>
             </a:r>
             <a:endParaRPr lang="en-IN" b="1" dirty="0">
               <a:latin typeface="Footlight MT Light" panose="0204060206030A020304" pitchFamily="18" charset="0"/>

--- a/GateMaster.pptx
+++ b/GateMaster.pptx
@@ -11,7 +11,8 @@
     <p:sldId id="259" r:id="rId5"/>
     <p:sldId id="261" r:id="rId6"/>
     <p:sldId id="262" r:id="rId7"/>
-    <p:sldId id="263" r:id="rId8"/>
+    <p:sldId id="264" r:id="rId8"/>
+    <p:sldId id="263" r:id="rId9"/>
   </p:sldIdLst>
   <p:sldSz cx="12192000" cy="6858000"/>
   <p:notesSz cx="6858000" cy="9144000"/>
@@ -6782,7 +6783,7 @@
           <a:noFill/>
           <a:extLst>
             <a:ext uri="{909E8E84-426E-40dd-AFC4-6F175D3DCCD1}">
-              <a14:hiddenFill xmlns="" xmlns:a14="http://schemas.microsoft.com/office/drawing/2010/main">
+              <a14:hiddenFill xmlns:a14="http://schemas.microsoft.com/office/drawing/2010/main" xmlns="">
                 <a:solidFill>
                   <a:srgbClr val="FFFFFF"/>
                 </a:solidFill>
@@ -6842,7 +6843,7 @@
             </a:ln>
             <a:extLst>
               <a:ext uri="{91240B29-F687-4f45-9708-019B960494DF}">
-                <a14:hiddenLine xmlns="" xmlns:a14="http://schemas.microsoft.com/office/drawing/2010/main" w="9525">
+                <a14:hiddenLine xmlns:a14="http://schemas.microsoft.com/office/drawing/2010/main" xmlns="" w="9525">
                   <a:solidFill>
                     <a:srgbClr val="000000"/>
                   </a:solidFill>
@@ -6932,7 +6933,7 @@
             </a:ln>
             <a:extLst>
               <a:ext uri="{91240B29-F687-4f45-9708-019B960494DF}">
-                <a14:hiddenLine xmlns="" xmlns:a14="http://schemas.microsoft.com/office/drawing/2010/main" w="9525">
+                <a14:hiddenLine xmlns:a14="http://schemas.microsoft.com/office/drawing/2010/main" xmlns="" w="9525">
                   <a:solidFill>
                     <a:srgbClr val="000000"/>
                   </a:solidFill>
@@ -7022,7 +7023,7 @@
             </a:ln>
             <a:extLst>
               <a:ext uri="{91240B29-F687-4f45-9708-019B960494DF}">
-                <a14:hiddenLine xmlns="" xmlns:a14="http://schemas.microsoft.com/office/drawing/2010/main" w="9525">
+                <a14:hiddenLine xmlns:a14="http://schemas.microsoft.com/office/drawing/2010/main" xmlns="" w="9525">
                   <a:solidFill>
                     <a:srgbClr val="000000"/>
                   </a:solidFill>
@@ -7056,7 +7057,7 @@
             </a:ln>
             <a:extLst>
               <a:ext uri="{91240B29-F687-4f45-9708-019B960494DF}">
-                <a14:hiddenLine xmlns="" xmlns:a14="http://schemas.microsoft.com/office/drawing/2010/main" w="9525">
+                <a14:hiddenLine xmlns:a14="http://schemas.microsoft.com/office/drawing/2010/main" xmlns="" w="9525">
                   <a:solidFill>
                     <a:srgbClr val="000000"/>
                   </a:solidFill>
@@ -7146,7 +7147,7 @@
             </a:ln>
             <a:extLst>
               <a:ext uri="{91240B29-F687-4f45-9708-019B960494DF}">
-                <a14:hiddenLine xmlns="" xmlns:a14="http://schemas.microsoft.com/office/drawing/2010/main" w="9525">
+                <a14:hiddenLine xmlns:a14="http://schemas.microsoft.com/office/drawing/2010/main" xmlns="" w="9525">
                   <a:solidFill>
                     <a:srgbClr val="000000"/>
                   </a:solidFill>
@@ -7208,7 +7209,7 @@
             </a:ln>
             <a:extLst>
               <a:ext uri="{91240B29-F687-4f45-9708-019B960494DF}">
-                <a14:hiddenLine xmlns="" xmlns:a14="http://schemas.microsoft.com/office/drawing/2010/main" w="9525">
+                <a14:hiddenLine xmlns:a14="http://schemas.microsoft.com/office/drawing/2010/main" xmlns="" w="9525">
                   <a:solidFill>
                     <a:srgbClr val="000000"/>
                   </a:solidFill>
@@ -7270,7 +7271,7 @@
             </a:ln>
             <a:extLst>
               <a:ext uri="{91240B29-F687-4f45-9708-019B960494DF}">
-                <a14:hiddenLine xmlns="" xmlns:a14="http://schemas.microsoft.com/office/drawing/2010/main" w="9525">
+                <a14:hiddenLine xmlns:a14="http://schemas.microsoft.com/office/drawing/2010/main" xmlns="" w="9525">
                   <a:solidFill>
                     <a:srgbClr val="000000"/>
                   </a:solidFill>
@@ -7360,7 +7361,7 @@
             </a:ln>
             <a:extLst>
               <a:ext uri="{91240B29-F687-4f45-9708-019B960494DF}">
-                <a14:hiddenLine xmlns="" xmlns:a14="http://schemas.microsoft.com/office/drawing/2010/main" w="9525">
+                <a14:hiddenLine xmlns:a14="http://schemas.microsoft.com/office/drawing/2010/main" xmlns="" w="9525">
                   <a:solidFill>
                     <a:srgbClr val="000000"/>
                   </a:solidFill>
@@ -7422,7 +7423,7 @@
             </a:ln>
             <a:extLst>
               <a:ext uri="{91240B29-F687-4f45-9708-019B960494DF}">
-                <a14:hiddenLine xmlns="" xmlns:a14="http://schemas.microsoft.com/office/drawing/2010/main" w="9525">
+                <a14:hiddenLine xmlns:a14="http://schemas.microsoft.com/office/drawing/2010/main" xmlns="" w="9525">
                   <a:solidFill>
                     <a:srgbClr val="000000"/>
                   </a:solidFill>
@@ -7484,7 +7485,7 @@
             </a:ln>
             <a:extLst>
               <a:ext uri="{91240B29-F687-4f45-9708-019B960494DF}">
-                <a14:hiddenLine xmlns="" xmlns:a14="http://schemas.microsoft.com/office/drawing/2010/main" w="9525">
+                <a14:hiddenLine xmlns:a14="http://schemas.microsoft.com/office/drawing/2010/main" xmlns="" w="9525">
                   <a:solidFill>
                     <a:srgbClr val="000000"/>
                   </a:solidFill>
@@ -7574,7 +7575,7 @@
             </a:ln>
             <a:extLst>
               <a:ext uri="{91240B29-F687-4f45-9708-019B960494DF}">
-                <a14:hiddenLine xmlns="" xmlns:a14="http://schemas.microsoft.com/office/drawing/2010/main" w="9525">
+                <a14:hiddenLine xmlns:a14="http://schemas.microsoft.com/office/drawing/2010/main" xmlns="" w="9525">
                   <a:solidFill>
                     <a:srgbClr val="000000"/>
                   </a:solidFill>
@@ -7664,7 +7665,7 @@
             </a:ln>
             <a:extLst>
               <a:ext uri="{91240B29-F687-4f45-9708-019B960494DF}">
-                <a14:hiddenLine xmlns="" xmlns:a14="http://schemas.microsoft.com/office/drawing/2010/main" w="9525">
+                <a14:hiddenLine xmlns:a14="http://schemas.microsoft.com/office/drawing/2010/main" xmlns="" w="9525">
                   <a:solidFill>
                     <a:srgbClr val="000000"/>
                   </a:solidFill>
@@ -7726,7 +7727,7 @@
             </a:ln>
             <a:extLst>
               <a:ext uri="{91240B29-F687-4f45-9708-019B960494DF}">
-                <a14:hiddenLine xmlns="" xmlns:a14="http://schemas.microsoft.com/office/drawing/2010/main" w="9525">
+                <a14:hiddenLine xmlns:a14="http://schemas.microsoft.com/office/drawing/2010/main" xmlns="" w="9525">
                   <a:solidFill>
                     <a:srgbClr val="000000"/>
                   </a:solidFill>
@@ -7836,7 +7837,7 @@
             </a:ln>
             <a:extLst>
               <a:ext uri="{91240B29-F687-4f45-9708-019B960494DF}">
-                <a14:hiddenLine xmlns="" xmlns:a14="http://schemas.microsoft.com/office/drawing/2010/main" w="9525">
+                <a14:hiddenLine xmlns:a14="http://schemas.microsoft.com/office/drawing/2010/main" xmlns="" w="9525">
                   <a:solidFill>
                     <a:srgbClr val="000000"/>
                   </a:solidFill>
@@ -7898,7 +7899,7 @@
             </a:ln>
             <a:extLst>
               <a:ext uri="{91240B29-F687-4f45-9708-019B960494DF}">
-                <a14:hiddenLine xmlns="" xmlns:a14="http://schemas.microsoft.com/office/drawing/2010/main" w="9525">
+                <a14:hiddenLine xmlns:a14="http://schemas.microsoft.com/office/drawing/2010/main" xmlns="" w="9525">
                   <a:solidFill>
                     <a:srgbClr val="000000"/>
                   </a:solidFill>
@@ -7988,7 +7989,7 @@
             </a:ln>
             <a:extLst>
               <a:ext uri="{91240B29-F687-4f45-9708-019B960494DF}">
-                <a14:hiddenLine xmlns="" xmlns:a14="http://schemas.microsoft.com/office/drawing/2010/main" w="9525">
+                <a14:hiddenLine xmlns:a14="http://schemas.microsoft.com/office/drawing/2010/main" xmlns="" w="9525">
                   <a:solidFill>
                     <a:srgbClr val="000000"/>
                   </a:solidFill>
@@ -8078,7 +8079,7 @@
             </a:ln>
             <a:extLst>
               <a:ext uri="{91240B29-F687-4f45-9708-019B960494DF}">
-                <a14:hiddenLine xmlns="" xmlns:a14="http://schemas.microsoft.com/office/drawing/2010/main" w="9525">
+                <a14:hiddenLine xmlns:a14="http://schemas.microsoft.com/office/drawing/2010/main" xmlns="" w="9525">
                   <a:solidFill>
                     <a:srgbClr val="000000"/>
                   </a:solidFill>
@@ -8140,7 +8141,7 @@
             </a:ln>
             <a:extLst>
               <a:ext uri="{91240B29-F687-4f45-9708-019B960494DF}">
-                <a14:hiddenLine xmlns="" xmlns:a14="http://schemas.microsoft.com/office/drawing/2010/main" w="9525">
+                <a14:hiddenLine xmlns:a14="http://schemas.microsoft.com/office/drawing/2010/main" xmlns="" w="9525">
                   <a:solidFill>
                     <a:srgbClr val="000000"/>
                   </a:solidFill>
@@ -8230,7 +8231,7 @@
             </a:ln>
             <a:extLst>
               <a:ext uri="{91240B29-F687-4f45-9708-019B960494DF}">
-                <a14:hiddenLine xmlns="" xmlns:a14="http://schemas.microsoft.com/office/drawing/2010/main" w="9525">
+                <a14:hiddenLine xmlns:a14="http://schemas.microsoft.com/office/drawing/2010/main" xmlns="" w="9525">
                   <a:solidFill>
                     <a:srgbClr val="000000"/>
                   </a:solidFill>
@@ -8320,7 +8321,7 @@
             </a:ln>
             <a:extLst>
               <a:ext uri="{91240B29-F687-4f45-9708-019B960494DF}">
-                <a14:hiddenLine xmlns="" xmlns:a14="http://schemas.microsoft.com/office/drawing/2010/main" w="9525">
+                <a14:hiddenLine xmlns:a14="http://schemas.microsoft.com/office/drawing/2010/main" xmlns="" w="9525">
                   <a:solidFill>
                     <a:srgbClr val="000000"/>
                   </a:solidFill>
@@ -8376,7 +8377,7 @@
             </a:ln>
             <a:extLst>
               <a:ext uri="{91240B29-F687-4f45-9708-019B960494DF}">
-                <a14:hiddenLine xmlns="" xmlns:a14="http://schemas.microsoft.com/office/drawing/2010/main" w="9525">
+                <a14:hiddenLine xmlns:a14="http://schemas.microsoft.com/office/drawing/2010/main" xmlns="" w="9525">
                   <a:solidFill>
                     <a:srgbClr val="000000"/>
                   </a:solidFill>
@@ -8466,7 +8467,7 @@
             </a:ln>
             <a:extLst>
               <a:ext uri="{91240B29-F687-4f45-9708-019B960494DF}">
-                <a14:hiddenLine xmlns="" xmlns:a14="http://schemas.microsoft.com/office/drawing/2010/main" w="9525">
+                <a14:hiddenLine xmlns:a14="http://schemas.microsoft.com/office/drawing/2010/main" xmlns="" w="9525">
                   <a:solidFill>
                     <a:srgbClr val="000000"/>
                   </a:solidFill>
@@ -8522,7 +8523,7 @@
             </a:ln>
             <a:extLst>
               <a:ext uri="{91240B29-F687-4f45-9708-019B960494DF}">
-                <a14:hiddenLine xmlns="" xmlns:a14="http://schemas.microsoft.com/office/drawing/2010/main" w="9525">
+                <a14:hiddenLine xmlns:a14="http://schemas.microsoft.com/office/drawing/2010/main" xmlns="" w="9525">
                   <a:solidFill>
                     <a:srgbClr val="000000"/>
                   </a:solidFill>
@@ -8612,7 +8613,7 @@
             </a:ln>
             <a:extLst>
               <a:ext uri="{91240B29-F687-4f45-9708-019B960494DF}">
-                <a14:hiddenLine xmlns="" xmlns:a14="http://schemas.microsoft.com/office/drawing/2010/main" w="9525">
+                <a14:hiddenLine xmlns:a14="http://schemas.microsoft.com/office/drawing/2010/main" xmlns="" w="9525">
                   <a:solidFill>
                     <a:srgbClr val="000000"/>
                   </a:solidFill>
@@ -8680,7 +8681,7 @@
             </a:ln>
             <a:extLst>
               <a:ext uri="{91240B29-F687-4f45-9708-019B960494DF}">
-                <a14:hiddenLine xmlns="" xmlns:a14="http://schemas.microsoft.com/office/drawing/2010/main" w="9525">
+                <a14:hiddenLine xmlns:a14="http://schemas.microsoft.com/office/drawing/2010/main" xmlns="" w="9525">
                   <a:solidFill>
                     <a:srgbClr val="000000"/>
                   </a:solidFill>
@@ -8770,7 +8771,7 @@
             </a:ln>
             <a:extLst>
               <a:ext uri="{91240B29-F687-4f45-9708-019B960494DF}">
-                <a14:hiddenLine xmlns="" xmlns:a14="http://schemas.microsoft.com/office/drawing/2010/main" w="9525">
+                <a14:hiddenLine xmlns:a14="http://schemas.microsoft.com/office/drawing/2010/main" xmlns="" w="9525">
                   <a:solidFill>
                     <a:srgbClr val="000000"/>
                   </a:solidFill>
@@ -8838,7 +8839,7 @@
             </a:ln>
             <a:extLst>
               <a:ext uri="{91240B29-F687-4f45-9708-019B960494DF}">
-                <a14:hiddenLine xmlns="" xmlns:a14="http://schemas.microsoft.com/office/drawing/2010/main" w="9525">
+                <a14:hiddenLine xmlns:a14="http://schemas.microsoft.com/office/drawing/2010/main" xmlns="" w="9525">
                   <a:solidFill>
                     <a:srgbClr val="000000"/>
                   </a:solidFill>
@@ -8928,7 +8929,7 @@
             </a:ln>
             <a:extLst>
               <a:ext uri="{91240B29-F687-4f45-9708-019B960494DF}">
-                <a14:hiddenLine xmlns="" xmlns:a14="http://schemas.microsoft.com/office/drawing/2010/main" w="9525">
+                <a14:hiddenLine xmlns:a14="http://schemas.microsoft.com/office/drawing/2010/main" xmlns="" w="9525">
                   <a:solidFill>
                     <a:srgbClr val="000000"/>
                   </a:solidFill>
@@ -8962,7 +8963,7 @@
             </a:ln>
             <a:extLst>
               <a:ext uri="{91240B29-F687-4f45-9708-019B960494DF}">
-                <a14:hiddenLine xmlns="" xmlns:a14="http://schemas.microsoft.com/office/drawing/2010/main" w="9525">
+                <a14:hiddenLine xmlns:a14="http://schemas.microsoft.com/office/drawing/2010/main" xmlns="" w="9525">
                   <a:solidFill>
                     <a:srgbClr val="000000"/>
                   </a:solidFill>
@@ -9052,7 +9053,7 @@
             </a:ln>
             <a:extLst>
               <a:ext uri="{91240B29-F687-4f45-9708-019B960494DF}">
-                <a14:hiddenLine xmlns="" xmlns:a14="http://schemas.microsoft.com/office/drawing/2010/main" w="9525">
+                <a14:hiddenLine xmlns:a14="http://schemas.microsoft.com/office/drawing/2010/main" xmlns="" w="9525">
                   <a:solidFill>
                     <a:srgbClr val="000000"/>
                   </a:solidFill>
@@ -9114,7 +9115,7 @@
             </a:ln>
             <a:extLst>
               <a:ext uri="{91240B29-F687-4f45-9708-019B960494DF}">
-                <a14:hiddenLine xmlns="" xmlns:a14="http://schemas.microsoft.com/office/drawing/2010/main" w="9525">
+                <a14:hiddenLine xmlns:a14="http://schemas.microsoft.com/office/drawing/2010/main" xmlns="" w="9525">
                   <a:solidFill>
                     <a:srgbClr val="000000"/>
                   </a:solidFill>
@@ -9176,7 +9177,7 @@
             </a:ln>
             <a:extLst>
               <a:ext uri="{91240B29-F687-4f45-9708-019B960494DF}">
-                <a14:hiddenLine xmlns="" xmlns:a14="http://schemas.microsoft.com/office/drawing/2010/main" w="9525">
+                <a14:hiddenLine xmlns:a14="http://schemas.microsoft.com/office/drawing/2010/main" xmlns="" w="9525">
                   <a:solidFill>
                     <a:srgbClr val="000000"/>
                   </a:solidFill>
@@ -9266,7 +9267,7 @@
             </a:ln>
             <a:extLst>
               <a:ext uri="{91240B29-F687-4f45-9708-019B960494DF}">
-                <a14:hiddenLine xmlns="" xmlns:a14="http://schemas.microsoft.com/office/drawing/2010/main" w="9525">
+                <a14:hiddenLine xmlns:a14="http://schemas.microsoft.com/office/drawing/2010/main" xmlns="" w="9525">
                   <a:solidFill>
                     <a:srgbClr val="000000"/>
                   </a:solidFill>
@@ -9334,7 +9335,7 @@
             </a:ln>
             <a:extLst>
               <a:ext uri="{91240B29-F687-4f45-9708-019B960494DF}">
-                <a14:hiddenLine xmlns="" xmlns:a14="http://schemas.microsoft.com/office/drawing/2010/main" w="9525">
+                <a14:hiddenLine xmlns:a14="http://schemas.microsoft.com/office/drawing/2010/main" xmlns="" w="9525">
                   <a:solidFill>
                     <a:srgbClr val="000000"/>
                   </a:solidFill>
@@ -9396,7 +9397,7 @@
             </a:ln>
             <a:extLst>
               <a:ext uri="{91240B29-F687-4f45-9708-019B960494DF}">
-                <a14:hiddenLine xmlns="" xmlns:a14="http://schemas.microsoft.com/office/drawing/2010/main" w="9525">
+                <a14:hiddenLine xmlns:a14="http://schemas.microsoft.com/office/drawing/2010/main" xmlns="" w="9525">
                   <a:solidFill>
                     <a:srgbClr val="000000"/>
                   </a:solidFill>
@@ -9486,7 +9487,7 @@
             </a:ln>
             <a:extLst>
               <a:ext uri="{91240B29-F687-4f45-9708-019B960494DF}">
-                <a14:hiddenLine xmlns="" xmlns:a14="http://schemas.microsoft.com/office/drawing/2010/main" w="9525">
+                <a14:hiddenLine xmlns:a14="http://schemas.microsoft.com/office/drawing/2010/main" xmlns="" w="9525">
                   <a:solidFill>
                     <a:srgbClr val="000000"/>
                   </a:solidFill>
@@ -9548,7 +9549,7 @@
             </a:ln>
             <a:extLst>
               <a:ext uri="{91240B29-F687-4f45-9708-019B960494DF}">
-                <a14:hiddenLine xmlns="" xmlns:a14="http://schemas.microsoft.com/office/drawing/2010/main" w="9525">
+                <a14:hiddenLine xmlns:a14="http://schemas.microsoft.com/office/drawing/2010/main" xmlns="" w="9525">
                   <a:solidFill>
                     <a:srgbClr val="000000"/>
                   </a:solidFill>
@@ -9638,7 +9639,7 @@
             </a:ln>
             <a:extLst>
               <a:ext uri="{91240B29-F687-4f45-9708-019B960494DF}">
-                <a14:hiddenLine xmlns="" xmlns:a14="http://schemas.microsoft.com/office/drawing/2010/main" w="9525">
+                <a14:hiddenLine xmlns:a14="http://schemas.microsoft.com/office/drawing/2010/main" xmlns="" w="9525">
                   <a:solidFill>
                     <a:srgbClr val="000000"/>
                   </a:solidFill>
@@ -9700,7 +9701,7 @@
             </a:ln>
             <a:extLst>
               <a:ext uri="{91240B29-F687-4f45-9708-019B960494DF}">
-                <a14:hiddenLine xmlns="" xmlns:a14="http://schemas.microsoft.com/office/drawing/2010/main" w="9525">
+                <a14:hiddenLine xmlns:a14="http://schemas.microsoft.com/office/drawing/2010/main" xmlns="" w="9525">
                   <a:solidFill>
                     <a:srgbClr val="000000"/>
                   </a:solidFill>
@@ -9790,7 +9791,7 @@
             </a:ln>
             <a:extLst>
               <a:ext uri="{91240B29-F687-4f45-9708-019B960494DF}">
-                <a14:hiddenLine xmlns="" xmlns:a14="http://schemas.microsoft.com/office/drawing/2010/main" w="9525">
+                <a14:hiddenLine xmlns:a14="http://schemas.microsoft.com/office/drawing/2010/main" xmlns="" w="9525">
                   <a:solidFill>
                     <a:srgbClr val="000000"/>
                   </a:solidFill>
@@ -9824,7 +9825,7 @@
             </a:ln>
             <a:extLst>
               <a:ext uri="{91240B29-F687-4f45-9708-019B960494DF}">
-                <a14:hiddenLine xmlns="" xmlns:a14="http://schemas.microsoft.com/office/drawing/2010/main" w="9525">
+                <a14:hiddenLine xmlns:a14="http://schemas.microsoft.com/office/drawing/2010/main" xmlns="" w="9525">
                   <a:solidFill>
                     <a:srgbClr val="000000"/>
                   </a:solidFill>
@@ -9889,7 +9890,7 @@
             </a:ln>
             <a:extLst>
               <a:ext uri="{91240B29-F687-4f45-9708-019B960494DF}">
-                <a14:hiddenLine xmlns="" xmlns:a14="http://schemas.microsoft.com/office/drawing/2010/main" w="9525">
+                <a14:hiddenLine xmlns:a14="http://schemas.microsoft.com/office/drawing/2010/main" xmlns="" w="9525">
                   <a:solidFill>
                     <a:srgbClr val="000000"/>
                   </a:solidFill>
@@ -9979,7 +9980,7 @@
             </a:ln>
             <a:extLst>
               <a:ext uri="{91240B29-F687-4f45-9708-019B960494DF}">
-                <a14:hiddenLine xmlns="" xmlns:a14="http://schemas.microsoft.com/office/drawing/2010/main" w="9525">
+                <a14:hiddenLine xmlns:a14="http://schemas.microsoft.com/office/drawing/2010/main" xmlns="" w="9525">
                   <a:solidFill>
                     <a:srgbClr val="000000"/>
                   </a:solidFill>
@@ -10041,7 +10042,7 @@
             </a:ln>
             <a:extLst>
               <a:ext uri="{91240B29-F687-4f45-9708-019B960494DF}">
-                <a14:hiddenLine xmlns="" xmlns:a14="http://schemas.microsoft.com/office/drawing/2010/main" w="9525">
+                <a14:hiddenLine xmlns:a14="http://schemas.microsoft.com/office/drawing/2010/main" xmlns="" w="9525">
                   <a:solidFill>
                     <a:srgbClr val="000000"/>
                   </a:solidFill>
@@ -10131,7 +10132,7 @@
             </a:ln>
             <a:extLst>
               <a:ext uri="{91240B29-F687-4f45-9708-019B960494DF}">
-                <a14:hiddenLine xmlns="" xmlns:a14="http://schemas.microsoft.com/office/drawing/2010/main" w="9525">
+                <a14:hiddenLine xmlns:a14="http://schemas.microsoft.com/office/drawing/2010/main" xmlns="" w="9525">
                   <a:solidFill>
                     <a:srgbClr val="000000"/>
                   </a:solidFill>
@@ -10221,7 +10222,7 @@
             </a:ln>
             <a:extLst>
               <a:ext uri="{91240B29-F687-4f45-9708-019B960494DF}">
-                <a14:hiddenLine xmlns="" xmlns:a14="http://schemas.microsoft.com/office/drawing/2010/main" w="9525">
+                <a14:hiddenLine xmlns:a14="http://schemas.microsoft.com/office/drawing/2010/main" xmlns="" w="9525">
                   <a:solidFill>
                     <a:srgbClr val="000000"/>
                   </a:solidFill>
@@ -10286,7 +10287,7 @@
             </a:ln>
             <a:extLst>
               <a:ext uri="{91240B29-F687-4f45-9708-019B960494DF}">
-                <a14:hiddenLine xmlns="" xmlns:a14="http://schemas.microsoft.com/office/drawing/2010/main" w="9525">
+                <a14:hiddenLine xmlns:a14="http://schemas.microsoft.com/office/drawing/2010/main" xmlns="" w="9525">
                   <a:solidFill>
                     <a:srgbClr val="000000"/>
                   </a:solidFill>
@@ -10348,7 +10349,7 @@
             </a:ln>
             <a:extLst>
               <a:ext uri="{91240B29-F687-4f45-9708-019B960494DF}">
-                <a14:hiddenLine xmlns="" xmlns:a14="http://schemas.microsoft.com/office/drawing/2010/main" w="9525">
+                <a14:hiddenLine xmlns:a14="http://schemas.microsoft.com/office/drawing/2010/main" xmlns="" w="9525">
                   <a:solidFill>
                     <a:srgbClr val="000000"/>
                   </a:solidFill>
@@ -10438,7 +10439,7 @@
             </a:ln>
             <a:extLst>
               <a:ext uri="{91240B29-F687-4f45-9708-019B960494DF}">
-                <a14:hiddenLine xmlns="" xmlns:a14="http://schemas.microsoft.com/office/drawing/2010/main" w="9525">
+                <a14:hiddenLine xmlns:a14="http://schemas.microsoft.com/office/drawing/2010/main" xmlns="" w="9525">
                   <a:solidFill>
                     <a:srgbClr val="000000"/>
                   </a:solidFill>
@@ -10528,7 +10529,7 @@
             </a:ln>
             <a:extLst>
               <a:ext uri="{91240B29-F687-4f45-9708-019B960494DF}">
-                <a14:hiddenLine xmlns="" xmlns:a14="http://schemas.microsoft.com/office/drawing/2010/main" w="9525">
+                <a14:hiddenLine xmlns:a14="http://schemas.microsoft.com/office/drawing/2010/main" xmlns="" w="9525">
                   <a:solidFill>
                     <a:srgbClr val="000000"/>
                   </a:solidFill>
@@ -10590,7 +10591,7 @@
             </a:ln>
             <a:extLst>
               <a:ext uri="{91240B29-F687-4f45-9708-019B960494DF}">
-                <a14:hiddenLine xmlns="" xmlns:a14="http://schemas.microsoft.com/office/drawing/2010/main" w="9525">
+                <a14:hiddenLine xmlns:a14="http://schemas.microsoft.com/office/drawing/2010/main" xmlns="" w="9525">
                   <a:solidFill>
                     <a:srgbClr val="000000"/>
                   </a:solidFill>
@@ -10710,7 +10711,7 @@
             </a:ln>
             <a:extLst>
               <a:ext uri="{91240B29-F687-4f45-9708-019B960494DF}">
-                <a14:hiddenLine xmlns="" xmlns:a14="http://schemas.microsoft.com/office/drawing/2010/main" w="9525">
+                <a14:hiddenLine xmlns:a14="http://schemas.microsoft.com/office/drawing/2010/main" xmlns="" w="9525">
                   <a:solidFill>
                     <a:srgbClr val="000000"/>
                   </a:solidFill>
@@ -10778,7 +10779,7 @@
             </a:ln>
             <a:extLst>
               <a:ext uri="{91240B29-F687-4f45-9708-019B960494DF}">
-                <a14:hiddenLine xmlns="" xmlns:a14="http://schemas.microsoft.com/office/drawing/2010/main" w="9525">
+                <a14:hiddenLine xmlns:a14="http://schemas.microsoft.com/office/drawing/2010/main" xmlns="" w="9525">
                   <a:solidFill>
                     <a:srgbClr val="000000"/>
                   </a:solidFill>
@@ -10868,7 +10869,7 @@
             </a:ln>
             <a:extLst>
               <a:ext uri="{91240B29-F687-4f45-9708-019B960494DF}">
-                <a14:hiddenLine xmlns="" xmlns:a14="http://schemas.microsoft.com/office/drawing/2010/main" w="9525">
+                <a14:hiddenLine xmlns:a14="http://schemas.microsoft.com/office/drawing/2010/main" xmlns="" w="9525">
                   <a:solidFill>
                     <a:srgbClr val="000000"/>
                   </a:solidFill>
@@ -11008,7 +11009,7 @@
           <a:p>
             <a:fld id="{C864CD9A-04ED-4A85-98D2-8772B154B4A6}" type="datetimeFigureOut">
               <a:rPr lang="en-IN" smtClean="0"/>
-              <a:t>21-09-2021</a:t>
+              <a:t>23-09-2021</a:t>
             </a:fld>
             <a:endParaRPr lang="en-IN"/>
           </a:p>
@@ -11275,7 +11276,7 @@
           <a:p>
             <a:fld id="{C864CD9A-04ED-4A85-98D2-8772B154B4A6}" type="datetimeFigureOut">
               <a:rPr lang="en-IN" smtClean="0"/>
-              <a:t>21-09-2021</a:t>
+              <a:t>23-09-2021</a:t>
             </a:fld>
             <a:endParaRPr lang="en-IN"/>
           </a:p>
@@ -11471,7 +11472,7 @@
           <a:p>
             <a:fld id="{C864CD9A-04ED-4A85-98D2-8772B154B4A6}" type="datetimeFigureOut">
               <a:rPr lang="en-IN" smtClean="0"/>
-              <a:t>21-09-2021</a:t>
+              <a:t>23-09-2021</a:t>
             </a:fld>
             <a:endParaRPr lang="en-IN"/>
           </a:p>
@@ -11734,7 +11735,7 @@
           <a:p>
             <a:fld id="{C864CD9A-04ED-4A85-98D2-8772B154B4A6}" type="datetimeFigureOut">
               <a:rPr lang="en-IN" smtClean="0"/>
-              <a:t>21-09-2021</a:t>
+              <a:t>23-09-2021</a:t>
             </a:fld>
             <a:endParaRPr lang="en-IN"/>
           </a:p>
@@ -12168,7 +12169,7 @@
           <a:p>
             <a:fld id="{C864CD9A-04ED-4A85-98D2-8772B154B4A6}" type="datetimeFigureOut">
               <a:rPr lang="en-IN" smtClean="0"/>
-              <a:t>21-09-2021</a:t>
+              <a:t>23-09-2021</a:t>
             </a:fld>
             <a:endParaRPr lang="en-IN"/>
           </a:p>
@@ -12714,7 +12715,7 @@
           <a:p>
             <a:fld id="{C864CD9A-04ED-4A85-98D2-8772B154B4A6}" type="datetimeFigureOut">
               <a:rPr lang="en-IN" smtClean="0"/>
-              <a:t>21-09-2021</a:t>
+              <a:t>23-09-2021</a:t>
             </a:fld>
             <a:endParaRPr lang="en-IN"/>
           </a:p>
@@ -13434,7 +13435,7 @@
           <a:p>
             <a:fld id="{C864CD9A-04ED-4A85-98D2-8772B154B4A6}" type="datetimeFigureOut">
               <a:rPr lang="en-IN" smtClean="0"/>
-              <a:t>21-09-2021</a:t>
+              <a:t>23-09-2021</a:t>
             </a:fld>
             <a:endParaRPr lang="en-IN"/>
           </a:p>
@@ -13604,7 +13605,7 @@
           <a:p>
             <a:fld id="{C864CD9A-04ED-4A85-98D2-8772B154B4A6}" type="datetimeFigureOut">
               <a:rPr lang="en-IN" smtClean="0"/>
-              <a:t>21-09-2021</a:t>
+              <a:t>23-09-2021</a:t>
             </a:fld>
             <a:endParaRPr lang="en-IN"/>
           </a:p>
@@ -13784,7 +13785,7 @@
           <a:p>
             <a:fld id="{C864CD9A-04ED-4A85-98D2-8772B154B4A6}" type="datetimeFigureOut">
               <a:rPr lang="en-IN" smtClean="0"/>
-              <a:t>21-09-2021</a:t>
+              <a:t>23-09-2021</a:t>
             </a:fld>
             <a:endParaRPr lang="en-IN"/>
           </a:p>
@@ -13954,7 +13955,7 @@
           <a:p>
             <a:fld id="{C864CD9A-04ED-4A85-98D2-8772B154B4A6}" type="datetimeFigureOut">
               <a:rPr lang="en-IN" smtClean="0"/>
-              <a:t>21-09-2021</a:t>
+              <a:t>23-09-2021</a:t>
             </a:fld>
             <a:endParaRPr lang="en-IN"/>
           </a:p>
@@ -14204,7 +14205,7 @@
           <a:p>
             <a:fld id="{C864CD9A-04ED-4A85-98D2-8772B154B4A6}" type="datetimeFigureOut">
               <a:rPr lang="en-IN" smtClean="0"/>
-              <a:t>21-09-2021</a:t>
+              <a:t>23-09-2021</a:t>
             </a:fld>
             <a:endParaRPr lang="en-IN"/>
           </a:p>
@@ -14436,7 +14437,7 @@
           <a:p>
             <a:fld id="{C864CD9A-04ED-4A85-98D2-8772B154B4A6}" type="datetimeFigureOut">
               <a:rPr lang="en-IN" smtClean="0"/>
-              <a:t>21-09-2021</a:t>
+              <a:t>23-09-2021</a:t>
             </a:fld>
             <a:endParaRPr lang="en-IN"/>
           </a:p>
@@ -14817,7 +14818,7 @@
           <a:p>
             <a:fld id="{C864CD9A-04ED-4A85-98D2-8772B154B4A6}" type="datetimeFigureOut">
               <a:rPr lang="en-IN" smtClean="0"/>
-              <a:t>21-09-2021</a:t>
+              <a:t>23-09-2021</a:t>
             </a:fld>
             <a:endParaRPr lang="en-IN"/>
           </a:p>
@@ -14935,7 +14936,7 @@
           <a:p>
             <a:fld id="{C864CD9A-04ED-4A85-98D2-8772B154B4A6}" type="datetimeFigureOut">
               <a:rPr lang="en-IN" smtClean="0"/>
-              <a:t>21-09-2021</a:t>
+              <a:t>23-09-2021</a:t>
             </a:fld>
             <a:endParaRPr lang="en-IN"/>
           </a:p>
@@ -15030,7 +15031,7 @@
           <a:p>
             <a:fld id="{C864CD9A-04ED-4A85-98D2-8772B154B4A6}" type="datetimeFigureOut">
               <a:rPr lang="en-IN" smtClean="0"/>
-              <a:t>21-09-2021</a:t>
+              <a:t>23-09-2021</a:t>
             </a:fld>
             <a:endParaRPr lang="en-IN"/>
           </a:p>
@@ -15279,7 +15280,7 @@
           <a:p>
             <a:fld id="{C864CD9A-04ED-4A85-98D2-8772B154B4A6}" type="datetimeFigureOut">
               <a:rPr lang="en-IN" smtClean="0"/>
-              <a:t>21-09-2021</a:t>
+              <a:t>23-09-2021</a:t>
             </a:fld>
             <a:endParaRPr lang="en-IN"/>
           </a:p>
@@ -15559,7 +15560,7 @@
           <a:p>
             <a:fld id="{C864CD9A-04ED-4A85-98D2-8772B154B4A6}" type="datetimeFigureOut">
               <a:rPr lang="en-IN" smtClean="0"/>
-              <a:t>21-09-2021</a:t>
+              <a:t>23-09-2021</a:t>
             </a:fld>
             <a:endParaRPr lang="en-IN"/>
           </a:p>
@@ -15675,7 +15676,7 @@
           <a:noFill/>
           <a:extLst>
             <a:ext uri="{909E8E84-426E-40dd-AFC4-6F175D3DCCD1}">
-              <a14:hiddenFill xmlns="" xmlns:a14="http://schemas.microsoft.com/office/drawing/2010/main">
+              <a14:hiddenFill xmlns:a14="http://schemas.microsoft.com/office/drawing/2010/main" xmlns="">
                 <a:solidFill>
                   <a:srgbClr val="FFFFFF"/>
                 </a:solidFill>
@@ -15749,7 +15750,7 @@
               </a:ln>
               <a:extLst>
                 <a:ext uri="{91240B29-F687-4f45-9708-019B960494DF}">
-                  <a14:hiddenLine xmlns="" xmlns:a14="http://schemas.microsoft.com/office/drawing/2010/main" w="9525">
+                  <a14:hiddenLine xmlns:a14="http://schemas.microsoft.com/office/drawing/2010/main" xmlns="" w="9525">
                     <a:solidFill>
                       <a:srgbClr val="000000"/>
                     </a:solidFill>
@@ -15839,7 +15840,7 @@
               </a:ln>
               <a:extLst>
                 <a:ext uri="{91240B29-F687-4f45-9708-019B960494DF}">
-                  <a14:hiddenLine xmlns="" xmlns:a14="http://schemas.microsoft.com/office/drawing/2010/main" w="9525">
+                  <a14:hiddenLine xmlns:a14="http://schemas.microsoft.com/office/drawing/2010/main" xmlns="" w="9525">
                     <a:solidFill>
                       <a:srgbClr val="000000"/>
                     </a:solidFill>
@@ -15929,7 +15930,7 @@
               </a:ln>
               <a:extLst>
                 <a:ext uri="{91240B29-F687-4f45-9708-019B960494DF}">
-                  <a14:hiddenLine xmlns="" xmlns:a14="http://schemas.microsoft.com/office/drawing/2010/main" w="9525">
+                  <a14:hiddenLine xmlns:a14="http://schemas.microsoft.com/office/drawing/2010/main" xmlns="" w="9525">
                     <a:solidFill>
                       <a:srgbClr val="000000"/>
                     </a:solidFill>
@@ -15991,7 +15992,7 @@
               </a:ln>
               <a:extLst>
                 <a:ext uri="{91240B29-F687-4f45-9708-019B960494DF}">
-                  <a14:hiddenLine xmlns="" xmlns:a14="http://schemas.microsoft.com/office/drawing/2010/main" w="9525">
+                  <a14:hiddenLine xmlns:a14="http://schemas.microsoft.com/office/drawing/2010/main" xmlns="" w="9525">
                     <a:solidFill>
                       <a:srgbClr val="000000"/>
                     </a:solidFill>
@@ -16081,7 +16082,7 @@
               </a:ln>
               <a:extLst>
                 <a:ext uri="{91240B29-F687-4f45-9708-019B960494DF}">
-                  <a14:hiddenLine xmlns="" xmlns:a14="http://schemas.microsoft.com/office/drawing/2010/main" w="9525">
+                  <a14:hiddenLine xmlns:a14="http://schemas.microsoft.com/office/drawing/2010/main" xmlns="" w="9525">
                     <a:solidFill>
                       <a:srgbClr val="000000"/>
                     </a:solidFill>
@@ -16143,7 +16144,7 @@
               </a:ln>
               <a:extLst>
                 <a:ext uri="{91240B29-F687-4f45-9708-019B960494DF}">
-                  <a14:hiddenLine xmlns="" xmlns:a14="http://schemas.microsoft.com/office/drawing/2010/main" w="9525">
+                  <a14:hiddenLine xmlns:a14="http://schemas.microsoft.com/office/drawing/2010/main" xmlns="" w="9525">
                     <a:solidFill>
                       <a:srgbClr val="000000"/>
                     </a:solidFill>
@@ -16205,7 +16206,7 @@
               </a:ln>
               <a:extLst>
                 <a:ext uri="{91240B29-F687-4f45-9708-019B960494DF}">
-                  <a14:hiddenLine xmlns="" xmlns:a14="http://schemas.microsoft.com/office/drawing/2010/main" w="9525">
+                  <a14:hiddenLine xmlns:a14="http://schemas.microsoft.com/office/drawing/2010/main" xmlns="" w="9525">
                     <a:solidFill>
                       <a:srgbClr val="000000"/>
                     </a:solidFill>
@@ -16295,7 +16296,7 @@
               </a:ln>
               <a:extLst>
                 <a:ext uri="{91240B29-F687-4f45-9708-019B960494DF}">
-                  <a14:hiddenLine xmlns="" xmlns:a14="http://schemas.microsoft.com/office/drawing/2010/main" w="9525">
+                  <a14:hiddenLine xmlns:a14="http://schemas.microsoft.com/office/drawing/2010/main" xmlns="" w="9525">
                     <a:solidFill>
                       <a:srgbClr val="000000"/>
                     </a:solidFill>
@@ -16385,7 +16386,7 @@
               </a:ln>
               <a:extLst>
                 <a:ext uri="{91240B29-F687-4f45-9708-019B960494DF}">
-                  <a14:hiddenLine xmlns="" xmlns:a14="http://schemas.microsoft.com/office/drawing/2010/main" w="9525">
+                  <a14:hiddenLine xmlns:a14="http://schemas.microsoft.com/office/drawing/2010/main" xmlns="" w="9525">
                     <a:solidFill>
                       <a:srgbClr val="000000"/>
                     </a:solidFill>
@@ -16447,7 +16448,7 @@
               </a:ln>
               <a:extLst>
                 <a:ext uri="{91240B29-F687-4f45-9708-019B960494DF}">
-                  <a14:hiddenLine xmlns="" xmlns:a14="http://schemas.microsoft.com/office/drawing/2010/main" w="9525">
+                  <a14:hiddenLine xmlns:a14="http://schemas.microsoft.com/office/drawing/2010/main" xmlns="" w="9525">
                     <a:solidFill>
                       <a:srgbClr val="000000"/>
                     </a:solidFill>
@@ -16557,7 +16558,7 @@
               </a:ln>
               <a:extLst>
                 <a:ext uri="{91240B29-F687-4f45-9708-019B960494DF}">
-                  <a14:hiddenLine xmlns="" xmlns:a14="http://schemas.microsoft.com/office/drawing/2010/main" w="9525">
+                  <a14:hiddenLine xmlns:a14="http://schemas.microsoft.com/office/drawing/2010/main" xmlns="" w="9525">
                     <a:solidFill>
                       <a:srgbClr val="000000"/>
                     </a:solidFill>
@@ -16641,7 +16642,7 @@
               </a:ln>
               <a:extLst>
                 <a:ext uri="{91240B29-F687-4f45-9708-019B960494DF}">
-                  <a14:hiddenLine xmlns="" xmlns:a14="http://schemas.microsoft.com/office/drawing/2010/main" w="9525">
+                  <a14:hiddenLine xmlns:a14="http://schemas.microsoft.com/office/drawing/2010/main" xmlns="" w="9525">
                     <a:solidFill>
                       <a:srgbClr val="000000"/>
                     </a:solidFill>
@@ -16703,7 +16704,7 @@
               </a:ln>
               <a:extLst>
                 <a:ext uri="{91240B29-F687-4f45-9708-019B960494DF}">
-                  <a14:hiddenLine xmlns="" xmlns:a14="http://schemas.microsoft.com/office/drawing/2010/main" w="9525">
+                  <a14:hiddenLine xmlns:a14="http://schemas.microsoft.com/office/drawing/2010/main" xmlns="" w="9525">
                     <a:solidFill>
                       <a:srgbClr val="000000"/>
                     </a:solidFill>
@@ -16765,7 +16766,7 @@
               </a:ln>
               <a:extLst>
                 <a:ext uri="{91240B29-F687-4f45-9708-019B960494DF}">
-                  <a14:hiddenLine xmlns="" xmlns:a14="http://schemas.microsoft.com/office/drawing/2010/main" w="9525">
+                  <a14:hiddenLine xmlns:a14="http://schemas.microsoft.com/office/drawing/2010/main" xmlns="" w="9525">
                     <a:solidFill>
                       <a:srgbClr val="000000"/>
                     </a:solidFill>
@@ -16855,7 +16856,7 @@
               </a:ln>
               <a:extLst>
                 <a:ext uri="{91240B29-F687-4f45-9708-019B960494DF}">
-                  <a14:hiddenLine xmlns="" xmlns:a14="http://schemas.microsoft.com/office/drawing/2010/main" w="9525">
+                  <a14:hiddenLine xmlns:a14="http://schemas.microsoft.com/office/drawing/2010/main" xmlns="" w="9525">
                     <a:solidFill>
                       <a:srgbClr val="000000"/>
                     </a:solidFill>
@@ -16889,7 +16890,7 @@
               </a:ln>
               <a:extLst>
                 <a:ext uri="{91240B29-F687-4f45-9708-019B960494DF}">
-                  <a14:hiddenLine xmlns="" xmlns:a14="http://schemas.microsoft.com/office/drawing/2010/main" w="9525">
+                  <a14:hiddenLine xmlns:a14="http://schemas.microsoft.com/office/drawing/2010/main" xmlns="" w="9525">
                     <a:solidFill>
                       <a:srgbClr val="000000"/>
                     </a:solidFill>
@@ -16954,7 +16955,7 @@
               </a:ln>
               <a:extLst>
                 <a:ext uri="{91240B29-F687-4f45-9708-019B960494DF}">
-                  <a14:hiddenLine xmlns="" xmlns:a14="http://schemas.microsoft.com/office/drawing/2010/main" w="9525">
+                  <a14:hiddenLine xmlns:a14="http://schemas.microsoft.com/office/drawing/2010/main" xmlns="" w="9525">
                     <a:solidFill>
                       <a:srgbClr val="000000"/>
                     </a:solidFill>
@@ -17044,7 +17045,7 @@
               </a:ln>
               <a:extLst>
                 <a:ext uri="{91240B29-F687-4f45-9708-019B960494DF}">
-                  <a14:hiddenLine xmlns="" xmlns:a14="http://schemas.microsoft.com/office/drawing/2010/main" w="9525">
+                  <a14:hiddenLine xmlns:a14="http://schemas.microsoft.com/office/drawing/2010/main" xmlns="" w="9525">
                     <a:solidFill>
                       <a:srgbClr val="000000"/>
                     </a:solidFill>
@@ -17106,7 +17107,7 @@
               </a:ln>
               <a:extLst>
                 <a:ext uri="{91240B29-F687-4f45-9708-019B960494DF}">
-                  <a14:hiddenLine xmlns="" xmlns:a14="http://schemas.microsoft.com/office/drawing/2010/main" w="9525">
+                  <a14:hiddenLine xmlns:a14="http://schemas.microsoft.com/office/drawing/2010/main" xmlns="" w="9525">
                     <a:solidFill>
                       <a:srgbClr val="000000"/>
                     </a:solidFill>
@@ -17196,7 +17197,7 @@
               </a:ln>
               <a:extLst>
                 <a:ext uri="{91240B29-F687-4f45-9708-019B960494DF}">
-                  <a14:hiddenLine xmlns="" xmlns:a14="http://schemas.microsoft.com/office/drawing/2010/main" w="9525">
+                  <a14:hiddenLine xmlns:a14="http://schemas.microsoft.com/office/drawing/2010/main" xmlns="" w="9525">
                     <a:solidFill>
                       <a:srgbClr val="000000"/>
                     </a:solidFill>
@@ -17261,7 +17262,7 @@
               </a:ln>
               <a:extLst>
                 <a:ext uri="{91240B29-F687-4f45-9708-019B960494DF}">
-                  <a14:hiddenLine xmlns="" xmlns:a14="http://schemas.microsoft.com/office/drawing/2010/main" w="9525">
+                  <a14:hiddenLine xmlns:a14="http://schemas.microsoft.com/office/drawing/2010/main" xmlns="" w="9525">
                     <a:solidFill>
                       <a:srgbClr val="000000"/>
                     </a:solidFill>
@@ -17323,7 +17324,7 @@
               </a:ln>
               <a:extLst>
                 <a:ext uri="{91240B29-F687-4f45-9708-019B960494DF}">
-                  <a14:hiddenLine xmlns="" xmlns:a14="http://schemas.microsoft.com/office/drawing/2010/main" w="9525">
+                  <a14:hiddenLine xmlns:a14="http://schemas.microsoft.com/office/drawing/2010/main" xmlns="" w="9525">
                     <a:solidFill>
                       <a:srgbClr val="000000"/>
                     </a:solidFill>
@@ -17413,7 +17414,7 @@
               </a:ln>
               <a:extLst>
                 <a:ext uri="{91240B29-F687-4f45-9708-019B960494DF}">
-                  <a14:hiddenLine xmlns="" xmlns:a14="http://schemas.microsoft.com/office/drawing/2010/main" w="9525">
+                  <a14:hiddenLine xmlns:a14="http://schemas.microsoft.com/office/drawing/2010/main" xmlns="" w="9525">
                     <a:solidFill>
                       <a:srgbClr val="000000"/>
                     </a:solidFill>
@@ -17503,7 +17504,7 @@
               </a:ln>
               <a:extLst>
                 <a:ext uri="{91240B29-F687-4f45-9708-019B960494DF}">
-                  <a14:hiddenLine xmlns="" xmlns:a14="http://schemas.microsoft.com/office/drawing/2010/main" w="9525">
+                  <a14:hiddenLine xmlns:a14="http://schemas.microsoft.com/office/drawing/2010/main" xmlns="" w="9525">
                     <a:solidFill>
                       <a:srgbClr val="000000"/>
                     </a:solidFill>
@@ -17568,7 +17569,7 @@
               </a:ln>
               <a:extLst>
                 <a:ext uri="{91240B29-F687-4f45-9708-019B960494DF}">
-                  <a14:hiddenLine xmlns="" xmlns:a14="http://schemas.microsoft.com/office/drawing/2010/main" w="9525">
+                  <a14:hiddenLine xmlns:a14="http://schemas.microsoft.com/office/drawing/2010/main" xmlns="" w="9525">
                     <a:solidFill>
                       <a:srgbClr val="000000"/>
                     </a:solidFill>
@@ -17688,7 +17689,7 @@
               </a:ln>
               <a:extLst>
                 <a:ext uri="{91240B29-F687-4f45-9708-019B960494DF}">
-                  <a14:hiddenLine xmlns="" xmlns:a14="http://schemas.microsoft.com/office/drawing/2010/main" w="9525">
+                  <a14:hiddenLine xmlns:a14="http://schemas.microsoft.com/office/drawing/2010/main" xmlns="" w="9525">
                     <a:solidFill>
                       <a:srgbClr val="000000"/>
                     </a:solidFill>
@@ -17786,7 +17787,7 @@
               </a:ln>
               <a:extLst>
                 <a:ext uri="{91240B29-F687-4f45-9708-019B960494DF}">
-                  <a14:hiddenLine xmlns="" xmlns:a14="http://schemas.microsoft.com/office/drawing/2010/main" w="9525">
+                  <a14:hiddenLine xmlns:a14="http://schemas.microsoft.com/office/drawing/2010/main" xmlns="" w="9525">
                     <a:solidFill>
                       <a:srgbClr val="000000"/>
                     </a:solidFill>
@@ -17901,7 +17902,7 @@
               </a:ln>
               <a:extLst>
                 <a:ext uri="{91240B29-F687-4f45-9708-019B960494DF}">
-                  <a14:hiddenLine xmlns="" xmlns:a14="http://schemas.microsoft.com/office/drawing/2010/main" w="9525">
+                  <a14:hiddenLine xmlns:a14="http://schemas.microsoft.com/office/drawing/2010/main" xmlns="" w="9525">
                     <a:solidFill>
                       <a:srgbClr val="000000"/>
                     </a:solidFill>
@@ -17991,7 +17992,7 @@
               </a:ln>
               <a:extLst>
                 <a:ext uri="{91240B29-F687-4f45-9708-019B960494DF}">
-                  <a14:hiddenLine xmlns="" xmlns:a14="http://schemas.microsoft.com/office/drawing/2010/main" w="9525">
+                  <a14:hiddenLine xmlns:a14="http://schemas.microsoft.com/office/drawing/2010/main" xmlns="" w="9525">
                     <a:solidFill>
                       <a:srgbClr val="000000"/>
                     </a:solidFill>
@@ -18056,7 +18057,7 @@
               </a:ln>
               <a:extLst>
                 <a:ext uri="{91240B29-F687-4f45-9708-019B960494DF}">
-                  <a14:hiddenLine xmlns="" xmlns:a14="http://schemas.microsoft.com/office/drawing/2010/main" w="9525">
+                  <a14:hiddenLine xmlns:a14="http://schemas.microsoft.com/office/drawing/2010/main" xmlns="" w="9525">
                     <a:solidFill>
                       <a:srgbClr val="000000"/>
                     </a:solidFill>
@@ -18146,7 +18147,7 @@
               </a:ln>
               <a:extLst>
                 <a:ext uri="{91240B29-F687-4f45-9708-019B960494DF}">
-                  <a14:hiddenLine xmlns="" xmlns:a14="http://schemas.microsoft.com/office/drawing/2010/main" w="9525">
+                  <a14:hiddenLine xmlns:a14="http://schemas.microsoft.com/office/drawing/2010/main" xmlns="" w="9525">
                     <a:solidFill>
                       <a:srgbClr val="000000"/>
                     </a:solidFill>
@@ -18214,7 +18215,7 @@
               </a:ln>
               <a:extLst>
                 <a:ext uri="{91240B29-F687-4f45-9708-019B960494DF}">
-                  <a14:hiddenLine xmlns="" xmlns:a14="http://schemas.microsoft.com/office/drawing/2010/main" w="9525">
+                  <a14:hiddenLine xmlns:a14="http://schemas.microsoft.com/office/drawing/2010/main" xmlns="" w="9525">
                     <a:solidFill>
                       <a:srgbClr val="000000"/>
                     </a:solidFill>
@@ -18304,7 +18305,7 @@
               </a:ln>
               <a:extLst>
                 <a:ext uri="{91240B29-F687-4f45-9708-019B960494DF}">
-                  <a14:hiddenLine xmlns="" xmlns:a14="http://schemas.microsoft.com/office/drawing/2010/main" w="9525">
+                  <a14:hiddenLine xmlns:a14="http://schemas.microsoft.com/office/drawing/2010/main" xmlns="" w="9525">
                     <a:solidFill>
                       <a:srgbClr val="000000"/>
                     </a:solidFill>
@@ -18372,7 +18373,7 @@
               </a:ln>
               <a:extLst>
                 <a:ext uri="{91240B29-F687-4f45-9708-019B960494DF}">
-                  <a14:hiddenLine xmlns="" xmlns:a14="http://schemas.microsoft.com/office/drawing/2010/main" w="9525">
+                  <a14:hiddenLine xmlns:a14="http://schemas.microsoft.com/office/drawing/2010/main" xmlns="" w="9525">
                     <a:solidFill>
                       <a:srgbClr val="000000"/>
                     </a:solidFill>
@@ -18462,7 +18463,7 @@
               </a:ln>
               <a:extLst>
                 <a:ext uri="{91240B29-F687-4f45-9708-019B960494DF}">
-                  <a14:hiddenLine xmlns="" xmlns:a14="http://schemas.microsoft.com/office/drawing/2010/main" w="9525">
+                  <a14:hiddenLine xmlns:a14="http://schemas.microsoft.com/office/drawing/2010/main" xmlns="" w="9525">
                     <a:solidFill>
                       <a:srgbClr val="000000"/>
                     </a:solidFill>
@@ -18496,7 +18497,7 @@
               </a:ln>
               <a:extLst>
                 <a:ext uri="{91240B29-F687-4f45-9708-019B960494DF}">
-                  <a14:hiddenLine xmlns="" xmlns:a14="http://schemas.microsoft.com/office/drawing/2010/main" w="9525">
+                  <a14:hiddenLine xmlns:a14="http://schemas.microsoft.com/office/drawing/2010/main" xmlns="" w="9525">
                     <a:solidFill>
                       <a:srgbClr val="000000"/>
                     </a:solidFill>
@@ -18636,7 +18637,7 @@
           <a:p>
             <a:fld id="{C864CD9A-04ED-4A85-98D2-8772B154B4A6}" type="datetimeFigureOut">
               <a:rPr lang="en-IN" smtClean="0"/>
-              <a:t>21-09-2021</a:t>
+              <a:t>23-09-2021</a:t>
             </a:fld>
             <a:endParaRPr lang="en-IN"/>
           </a:p>
@@ -21056,6 +21057,123 @@
           <p:cNvPr id="2" name="Title 1">
             <a:extLst>
               <a:ext uri="{FF2B5EF4-FFF2-40B4-BE49-F238E27FC236}">
+                <a16:creationId xmlns:a16="http://schemas.microsoft.com/office/drawing/2014/main" id="{67E34103-3F7F-4E5E-AD8B-38C3519E9541}"/>
+              </a:ext>
+            </a:extLst>
+          </p:cNvPr>
+          <p:cNvSpPr>
+            <a:spLocks noGrp="1"/>
+          </p:cNvSpPr>
+          <p:nvPr>
+            <p:ph type="title"/>
+          </p:nvPr>
+        </p:nvSpPr>
+        <p:spPr/>
+        <p:txBody>
+          <a:bodyPr/>
+          <a:lstStyle/>
+          <a:p>
+            <a:pPr algn="ctr"/>
+            <a:r>
+              <a:rPr lang="en-US" b="1" dirty="0">
+                <a:latin typeface="Footlight MT Light" panose="0204060206030A020304" pitchFamily="18" charset="0"/>
+              </a:rPr>
+              <a:t>Frontend Snapshots</a:t>
+            </a:r>
+            <a:endParaRPr lang="en-IN" b="1" dirty="0">
+              <a:latin typeface="Footlight MT Light" panose="0204060206030A020304" pitchFamily="18" charset="0"/>
+            </a:endParaRPr>
+          </a:p>
+        </p:txBody>
+      </p:sp>
+      <p:sp>
+        <p:nvSpPr>
+          <p:cNvPr id="3" name="Content Placeholder 2">
+            <a:extLst>
+              <a:ext uri="{FF2B5EF4-FFF2-40B4-BE49-F238E27FC236}">
+                <a16:creationId xmlns:a16="http://schemas.microsoft.com/office/drawing/2014/main" id="{479ACFBA-09C6-4D61-8CD5-CDD9617E477C}"/>
+              </a:ext>
+            </a:extLst>
+          </p:cNvPr>
+          <p:cNvSpPr>
+            <a:spLocks noGrp="1"/>
+          </p:cNvSpPr>
+          <p:nvPr>
+            <p:ph idx="1"/>
+          </p:nvPr>
+        </p:nvSpPr>
+        <p:spPr/>
+        <p:txBody>
+          <a:bodyPr/>
+          <a:lstStyle/>
+          <a:p>
+            <a:r>
+              <a:rPr lang="en-US" dirty="0"/>
+              <a:t>Home</a:t>
+            </a:r>
+          </a:p>
+          <a:p>
+            <a:r>
+              <a:rPr lang="en-US" dirty="0"/>
+              <a:t>Register / Login</a:t>
+            </a:r>
+          </a:p>
+          <a:p>
+            <a:r>
+              <a:rPr lang="en-US" dirty="0"/>
+              <a:t>Streams</a:t>
+            </a:r>
+          </a:p>
+          <a:p>
+            <a:r>
+              <a:rPr lang="en-US" dirty="0"/>
+              <a:t>About Gate</a:t>
+            </a:r>
+          </a:p>
+          <a:p>
+            <a:r>
+              <a:rPr lang="en-US" dirty="0"/>
+              <a:t>Feedback Review</a:t>
+            </a:r>
+            <a:endParaRPr lang="en-IN" dirty="0"/>
+          </a:p>
+        </p:txBody>
+      </p:sp>
+    </p:spTree>
+    <p:extLst>
+      <p:ext uri="{BB962C8B-B14F-4D97-AF65-F5344CB8AC3E}">
+        <p14:creationId xmlns:p14="http://schemas.microsoft.com/office/powerpoint/2010/main" val="726615156"/>
+      </p:ext>
+    </p:extLst>
+  </p:cSld>
+  <p:clrMapOvr>
+    <a:masterClrMapping/>
+  </p:clrMapOvr>
+</p:sld>
+</file>
+
+<file path=ppt/slides/slide8.xml><?xml version="1.0" encoding="utf-8"?>
+<p:sld xmlns:a="http://schemas.openxmlformats.org/drawingml/2006/main" xmlns:r="http://schemas.openxmlformats.org/officeDocument/2006/relationships" xmlns:p="http://schemas.openxmlformats.org/presentationml/2006/main">
+  <p:cSld>
+    <p:spTree>
+      <p:nvGrpSpPr>
+        <p:cNvPr id="1" name=""/>
+        <p:cNvGrpSpPr/>
+        <p:nvPr/>
+      </p:nvGrpSpPr>
+      <p:grpSpPr>
+        <a:xfrm>
+          <a:off x="0" y="0"/>
+          <a:ext cx="0" cy="0"/>
+          <a:chOff x="0" y="0"/>
+          <a:chExt cx="0" cy="0"/>
+        </a:xfrm>
+      </p:grpSpPr>
+      <p:sp>
+        <p:nvSpPr>
+          <p:cNvPr id="2" name="Title 1">
+            <a:extLst>
+              <a:ext uri="{FF2B5EF4-FFF2-40B4-BE49-F238E27FC236}">
                 <a16:creationId xmlns:a16="http://schemas.microsoft.com/office/drawing/2014/main" id="{40C40B1E-598A-4F5D-BE7E-15839D929BB8}"/>
               </a:ext>
             </a:extLst>
